--- a/Slides/Lesson 7.4 When do I need an invariant.pptx
+++ b/Slides/Lesson 7.4 When do I need an invariant.pptx
@@ -2,7 +2,7 @@
 <file path=ppt/presentation.xml><?xml version="1.0" encoding="utf-8"?>
 <p:presentation xmlns:a="http://schemas.openxmlformats.org/drawingml/2006/main" xmlns:r="http://schemas.openxmlformats.org/officeDocument/2006/relationships" xmlns:p="http://schemas.openxmlformats.org/presentationml/2006/main" saveSubsetFonts="1">
   <p:sldMasterIdLst>
-    <p:sldMasterId id="2147483648" r:id="rId1"/>
+    <p:sldMasterId id="2147483661" r:id="rId1"/>
   </p:sldMasterIdLst>
   <p:notesMasterIdLst>
     <p:notesMasterId r:id="rId19"/>
@@ -227,7 +227,7 @@
           <a:p>
             <a:fld id="{7CCEC190-264F-4177-B826-2198B6EDA822}" type="datetimeFigureOut">
               <a:rPr lang="en-US" smtClean="0"/>
-              <a:t>10/11/2014</a:t>
+              <a:t>9/28/2015</a:t>
             </a:fld>
             <a:endParaRPr lang="en-US"/>
           </a:p>
@@ -932,9 +932,9 @@
           <a:bodyPr/>
           <a:lstStyle/>
           <a:p>
-            <a:fld id="{85979218-9168-4B43-9783-61543A60E35C}" type="datetime1">
-              <a:rPr lang="en-US" smtClean="0"/>
-              <a:t>10/11/2014</a:t>
+            <a:fld id="{2F1F79F5-7BEC-496A-AFC7-876E38F64D71}" type="datetime1">
+              <a:rPr lang="en-US" smtClean="0"/>
+              <a:t>9/28/2015</a:t>
             </a:fld>
             <a:endParaRPr lang="en-US"/>
           </a:p>
@@ -974,7 +974,7 @@
           <a:bodyPr/>
           <a:lstStyle/>
           <a:p>
-            <a:fld id="{4FF46DE1-096B-4EDD-A00F-DA0292705DA0}" type="slidenum">
+            <a:fld id="{2AF3B5EA-18B6-4040-9F78-6052AF49C681}" type="slidenum">
               <a:rPr lang="en-US" smtClean="0"/>
               <a:t>‹#›</a:t>
             </a:fld>
@@ -985,7 +985,7 @@
     </p:spTree>
     <p:extLst>
       <p:ext uri="{BB962C8B-B14F-4D97-AF65-F5344CB8AC3E}">
-        <p14:creationId xmlns:p14="http://schemas.microsoft.com/office/powerpoint/2010/main" val="1936915977"/>
+        <p14:creationId xmlns:p14="http://schemas.microsoft.com/office/powerpoint/2010/main" val="970999727"/>
       </p:ext>
     </p:extLst>
   </p:cSld>
@@ -1003,6 +1003,378 @@
 </file>
 
 <file path=ppt/slideLayouts/slideLayout10.xml><?xml version="1.0" encoding="utf-8"?>
+<p:sldLayout xmlns:a="http://schemas.openxmlformats.org/drawingml/2006/main" xmlns:r="http://schemas.openxmlformats.org/officeDocument/2006/relationships" xmlns:p="http://schemas.openxmlformats.org/presentationml/2006/main" type="blank" preserve="1">
+  <p:cSld name="Blank">
+    <p:spTree>
+      <p:nvGrpSpPr>
+        <p:cNvPr id="1" name=""/>
+        <p:cNvGrpSpPr/>
+        <p:nvPr/>
+      </p:nvGrpSpPr>
+      <p:grpSpPr>
+        <a:xfrm>
+          <a:off x="0" y="0"/>
+          <a:ext cx="0" cy="0"/>
+          <a:chOff x="0" y="0"/>
+          <a:chExt cx="0" cy="0"/>
+        </a:xfrm>
+      </p:grpSpPr>
+      <p:sp>
+        <p:nvSpPr>
+          <p:cNvPr id="2" name="Date Placeholder 1"/>
+          <p:cNvSpPr>
+            <a:spLocks noGrp="1"/>
+          </p:cNvSpPr>
+          <p:nvPr>
+            <p:ph type="dt" sz="half" idx="10"/>
+          </p:nvPr>
+        </p:nvSpPr>
+        <p:spPr/>
+        <p:txBody>
+          <a:bodyPr/>
+          <a:lstStyle/>
+          <a:p>
+            <a:fld id="{0A05703A-7669-4FEA-9056-25299B4D29D4}" type="datetime1">
+              <a:rPr lang="en-US" smtClean="0"/>
+              <a:t>9/28/2015</a:t>
+            </a:fld>
+            <a:endParaRPr lang="en-US"/>
+          </a:p>
+        </p:txBody>
+      </p:sp>
+      <p:sp>
+        <p:nvSpPr>
+          <p:cNvPr id="3" name="Footer Placeholder 2"/>
+          <p:cNvSpPr>
+            <a:spLocks noGrp="1"/>
+          </p:cNvSpPr>
+          <p:nvPr>
+            <p:ph type="ftr" sz="quarter" idx="11"/>
+          </p:nvPr>
+        </p:nvSpPr>
+        <p:spPr/>
+        <p:txBody>
+          <a:bodyPr/>
+          <a:lstStyle/>
+          <a:p>
+            <a:endParaRPr lang="en-US"/>
+          </a:p>
+        </p:txBody>
+      </p:sp>
+      <p:sp>
+        <p:nvSpPr>
+          <p:cNvPr id="4" name="Slide Number Placeholder 3"/>
+          <p:cNvSpPr>
+            <a:spLocks noGrp="1"/>
+          </p:cNvSpPr>
+          <p:nvPr>
+            <p:ph type="sldNum" sz="quarter" idx="12"/>
+          </p:nvPr>
+        </p:nvSpPr>
+        <p:spPr/>
+        <p:txBody>
+          <a:bodyPr/>
+          <a:lstStyle/>
+          <a:p>
+            <a:fld id="{2AF3B5EA-18B6-4040-9F78-6052AF49C681}" type="slidenum">
+              <a:rPr lang="en-US" smtClean="0"/>
+              <a:t>‹#›</a:t>
+            </a:fld>
+            <a:endParaRPr lang="en-US"/>
+          </a:p>
+        </p:txBody>
+      </p:sp>
+    </p:spTree>
+    <p:extLst>
+      <p:ext uri="{BB962C8B-B14F-4D97-AF65-F5344CB8AC3E}">
+        <p14:creationId xmlns:p14="http://schemas.microsoft.com/office/powerpoint/2010/main" val="884359079"/>
+      </p:ext>
+    </p:extLst>
+  </p:cSld>
+  <p:clrMapOvr>
+    <a:masterClrMapping/>
+  </p:clrMapOvr>
+</p:sldLayout>
+</file>
+
+<file path=ppt/slideLayouts/slideLayout11.xml><?xml version="1.0" encoding="utf-8"?>
+<p:sldLayout xmlns:a="http://schemas.openxmlformats.org/drawingml/2006/main" xmlns:r="http://schemas.openxmlformats.org/officeDocument/2006/relationships" xmlns:p="http://schemas.openxmlformats.org/presentationml/2006/main" type="objTx" preserve="1">
+  <p:cSld name="Content with Caption">
+    <p:spTree>
+      <p:nvGrpSpPr>
+        <p:cNvPr id="1" name=""/>
+        <p:cNvGrpSpPr/>
+        <p:nvPr/>
+      </p:nvGrpSpPr>
+      <p:grpSpPr>
+        <a:xfrm>
+          <a:off x="0" y="0"/>
+          <a:ext cx="0" cy="0"/>
+          <a:chOff x="0" y="0"/>
+          <a:chExt cx="0" cy="0"/>
+        </a:xfrm>
+      </p:grpSpPr>
+      <p:sp>
+        <p:nvSpPr>
+          <p:cNvPr id="2" name="Title 1"/>
+          <p:cNvSpPr>
+            <a:spLocks noGrp="1"/>
+          </p:cNvSpPr>
+          <p:nvPr>
+            <p:ph type="title"/>
+          </p:nvPr>
+        </p:nvSpPr>
+        <p:spPr>
+          <a:xfrm>
+            <a:off x="457200" y="273050"/>
+            <a:ext cx="3008313" cy="1162050"/>
+          </a:xfrm>
+        </p:spPr>
+        <p:txBody>
+          <a:bodyPr anchor="b"/>
+          <a:lstStyle>
+            <a:lvl1pPr algn="l">
+              <a:defRPr sz="2000" b="1"/>
+            </a:lvl1pPr>
+          </a:lstStyle>
+          <a:p>
+            <a:r>
+              <a:rPr lang="en-US" smtClean="0"/>
+              <a:t>Click to edit Master title style</a:t>
+            </a:r>
+            <a:endParaRPr lang="en-US"/>
+          </a:p>
+        </p:txBody>
+      </p:sp>
+      <p:sp>
+        <p:nvSpPr>
+          <p:cNvPr id="3" name="Content Placeholder 2"/>
+          <p:cNvSpPr>
+            <a:spLocks noGrp="1"/>
+          </p:cNvSpPr>
+          <p:nvPr>
+            <p:ph idx="1"/>
+          </p:nvPr>
+        </p:nvSpPr>
+        <p:spPr>
+          <a:xfrm>
+            <a:off x="3575050" y="273050"/>
+            <a:ext cx="5111750" cy="5853113"/>
+          </a:xfrm>
+        </p:spPr>
+        <p:txBody>
+          <a:bodyPr/>
+          <a:lstStyle>
+            <a:lvl1pPr>
+              <a:defRPr sz="3200"/>
+            </a:lvl1pPr>
+            <a:lvl2pPr>
+              <a:defRPr sz="2800"/>
+            </a:lvl2pPr>
+            <a:lvl3pPr>
+              <a:defRPr sz="2400"/>
+            </a:lvl3pPr>
+            <a:lvl4pPr>
+              <a:defRPr sz="2000"/>
+            </a:lvl4pPr>
+            <a:lvl5pPr>
+              <a:defRPr sz="2000"/>
+            </a:lvl5pPr>
+            <a:lvl6pPr>
+              <a:defRPr sz="2000"/>
+            </a:lvl6pPr>
+            <a:lvl7pPr>
+              <a:defRPr sz="2000"/>
+            </a:lvl7pPr>
+            <a:lvl8pPr>
+              <a:defRPr sz="2000"/>
+            </a:lvl8pPr>
+            <a:lvl9pPr>
+              <a:defRPr sz="2000"/>
+            </a:lvl9pPr>
+          </a:lstStyle>
+          <a:p>
+            <a:pPr lvl="0"/>
+            <a:r>
+              <a:rPr lang="en-US" smtClean="0"/>
+              <a:t>Click to edit Master text styles</a:t>
+            </a:r>
+          </a:p>
+          <a:p>
+            <a:pPr lvl="1"/>
+            <a:r>
+              <a:rPr lang="en-US" smtClean="0"/>
+              <a:t>Second level</a:t>
+            </a:r>
+          </a:p>
+          <a:p>
+            <a:pPr lvl="2"/>
+            <a:r>
+              <a:rPr lang="en-US" smtClean="0"/>
+              <a:t>Third level</a:t>
+            </a:r>
+          </a:p>
+          <a:p>
+            <a:pPr lvl="3"/>
+            <a:r>
+              <a:rPr lang="en-US" smtClean="0"/>
+              <a:t>Fourth level</a:t>
+            </a:r>
+          </a:p>
+          <a:p>
+            <a:pPr lvl="4"/>
+            <a:r>
+              <a:rPr lang="en-US" smtClean="0"/>
+              <a:t>Fifth level</a:t>
+            </a:r>
+            <a:endParaRPr lang="en-US"/>
+          </a:p>
+        </p:txBody>
+      </p:sp>
+      <p:sp>
+        <p:nvSpPr>
+          <p:cNvPr id="4" name="Text Placeholder 3"/>
+          <p:cNvSpPr>
+            <a:spLocks noGrp="1"/>
+          </p:cNvSpPr>
+          <p:nvPr>
+            <p:ph type="body" sz="half" idx="2"/>
+          </p:nvPr>
+        </p:nvSpPr>
+        <p:spPr>
+          <a:xfrm>
+            <a:off x="457200" y="1435100"/>
+            <a:ext cx="3008313" cy="4691063"/>
+          </a:xfrm>
+        </p:spPr>
+        <p:txBody>
+          <a:bodyPr/>
+          <a:lstStyle>
+            <a:lvl1pPr marL="0" indent="0">
+              <a:buNone/>
+              <a:defRPr sz="1400"/>
+            </a:lvl1pPr>
+            <a:lvl2pPr marL="457200" indent="0">
+              <a:buNone/>
+              <a:defRPr sz="1200"/>
+            </a:lvl2pPr>
+            <a:lvl3pPr marL="914400" indent="0">
+              <a:buNone/>
+              <a:defRPr sz="1000"/>
+            </a:lvl3pPr>
+            <a:lvl4pPr marL="1371600" indent="0">
+              <a:buNone/>
+              <a:defRPr sz="900"/>
+            </a:lvl4pPr>
+            <a:lvl5pPr marL="1828800" indent="0">
+              <a:buNone/>
+              <a:defRPr sz="900"/>
+            </a:lvl5pPr>
+            <a:lvl6pPr marL="2286000" indent="0">
+              <a:buNone/>
+              <a:defRPr sz="900"/>
+            </a:lvl6pPr>
+            <a:lvl7pPr marL="2743200" indent="0">
+              <a:buNone/>
+              <a:defRPr sz="900"/>
+            </a:lvl7pPr>
+            <a:lvl8pPr marL="3200400" indent="0">
+              <a:buNone/>
+              <a:defRPr sz="900"/>
+            </a:lvl8pPr>
+            <a:lvl9pPr marL="3657600" indent="0">
+              <a:buNone/>
+              <a:defRPr sz="900"/>
+            </a:lvl9pPr>
+          </a:lstStyle>
+          <a:p>
+            <a:pPr lvl="0"/>
+            <a:r>
+              <a:rPr lang="en-US" smtClean="0"/>
+              <a:t>Click to edit Master text styles</a:t>
+            </a:r>
+          </a:p>
+        </p:txBody>
+      </p:sp>
+      <p:sp>
+        <p:nvSpPr>
+          <p:cNvPr id="5" name="Date Placeholder 4"/>
+          <p:cNvSpPr>
+            <a:spLocks noGrp="1"/>
+          </p:cNvSpPr>
+          <p:nvPr>
+            <p:ph type="dt" sz="half" idx="10"/>
+          </p:nvPr>
+        </p:nvSpPr>
+        <p:spPr/>
+        <p:txBody>
+          <a:bodyPr/>
+          <a:lstStyle/>
+          <a:p>
+            <a:fld id="{6E5077B5-BB57-49DB-88CA-226A139E5C01}" type="datetime1">
+              <a:rPr lang="en-US" smtClean="0"/>
+              <a:t>9/28/2015</a:t>
+            </a:fld>
+            <a:endParaRPr lang="en-US"/>
+          </a:p>
+        </p:txBody>
+      </p:sp>
+      <p:sp>
+        <p:nvSpPr>
+          <p:cNvPr id="6" name="Footer Placeholder 5"/>
+          <p:cNvSpPr>
+            <a:spLocks noGrp="1"/>
+          </p:cNvSpPr>
+          <p:nvPr>
+            <p:ph type="ftr" sz="quarter" idx="11"/>
+          </p:nvPr>
+        </p:nvSpPr>
+        <p:spPr/>
+        <p:txBody>
+          <a:bodyPr/>
+          <a:lstStyle/>
+          <a:p>
+            <a:endParaRPr lang="en-US"/>
+          </a:p>
+        </p:txBody>
+      </p:sp>
+      <p:sp>
+        <p:nvSpPr>
+          <p:cNvPr id="7" name="Slide Number Placeholder 6"/>
+          <p:cNvSpPr>
+            <a:spLocks noGrp="1"/>
+          </p:cNvSpPr>
+          <p:nvPr>
+            <p:ph type="sldNum" sz="quarter" idx="12"/>
+          </p:nvPr>
+        </p:nvSpPr>
+        <p:spPr/>
+        <p:txBody>
+          <a:bodyPr/>
+          <a:lstStyle/>
+          <a:p>
+            <a:fld id="{2AF3B5EA-18B6-4040-9F78-6052AF49C681}" type="slidenum">
+              <a:rPr lang="en-US" smtClean="0"/>
+              <a:t>‹#›</a:t>
+            </a:fld>
+            <a:endParaRPr lang="en-US"/>
+          </a:p>
+        </p:txBody>
+      </p:sp>
+    </p:spTree>
+    <p:extLst>
+      <p:ext uri="{BB962C8B-B14F-4D97-AF65-F5344CB8AC3E}">
+        <p14:creationId xmlns:p14="http://schemas.microsoft.com/office/powerpoint/2010/main" val="2630290597"/>
+      </p:ext>
+    </p:extLst>
+  </p:cSld>
+  <p:clrMapOvr>
+    <a:masterClrMapping/>
+  </p:clrMapOvr>
+</p:sldLayout>
+</file>
+
+<file path=ppt/slideLayouts/slideLayout12.xml><?xml version="1.0" encoding="utf-8"?>
 <p:sldLayout xmlns:a="http://schemas.openxmlformats.org/drawingml/2006/main" xmlns:r="http://schemas.openxmlformats.org/officeDocument/2006/relationships" xmlns:p="http://schemas.openxmlformats.org/presentationml/2006/main" type="picTx" preserve="1">
   <p:cSld name="Picture with Caption">
     <p:spTree>
@@ -1192,9 +1564,9 @@
           <a:bodyPr/>
           <a:lstStyle/>
           <a:p>
-            <a:fld id="{607135A4-9020-4528-ADA8-9962D441678B}" type="datetime1">
-              <a:rPr lang="en-US" smtClean="0"/>
-              <a:t>10/11/2014</a:t>
+            <a:fld id="{C48D9447-CBD6-49A1-89FD-8512A8CF8999}" type="datetime1">
+              <a:rPr lang="en-US" smtClean="0"/>
+              <a:t>9/28/2015</a:t>
             </a:fld>
             <a:endParaRPr lang="en-US"/>
           </a:p>
@@ -1234,7 +1606,7 @@
           <a:bodyPr/>
           <a:lstStyle/>
           <a:p>
-            <a:fld id="{4FF46DE1-096B-4EDD-A00F-DA0292705DA0}" type="slidenum">
+            <a:fld id="{2AF3B5EA-18B6-4040-9F78-6052AF49C681}" type="slidenum">
               <a:rPr lang="en-US" smtClean="0"/>
               <a:t>‹#›</a:t>
             </a:fld>
@@ -1245,7 +1617,7 @@
     </p:spTree>
     <p:extLst>
       <p:ext uri="{BB962C8B-B14F-4D97-AF65-F5344CB8AC3E}">
-        <p14:creationId xmlns:p14="http://schemas.microsoft.com/office/powerpoint/2010/main" val="1954355505"/>
+        <p14:creationId xmlns:p14="http://schemas.microsoft.com/office/powerpoint/2010/main" val="1535468932"/>
       </p:ext>
     </p:extLst>
   </p:cSld>
@@ -1255,7 +1627,7 @@
 </p:sldLayout>
 </file>
 
-<file path=ppt/slideLayouts/slideLayout11.xml><?xml version="1.0" encoding="utf-8"?>
+<file path=ppt/slideLayouts/slideLayout13.xml><?xml version="1.0" encoding="utf-8"?>
 <p:sldLayout xmlns:a="http://schemas.openxmlformats.org/drawingml/2006/main" xmlns:r="http://schemas.openxmlformats.org/officeDocument/2006/relationships" xmlns:p="http://schemas.openxmlformats.org/presentationml/2006/main" type="vertTx" preserve="1">
   <p:cSld name="Title and Vertical Text">
     <p:spTree>
@@ -1362,9 +1734,9 @@
           <a:bodyPr/>
           <a:lstStyle/>
           <a:p>
-            <a:fld id="{5FCC3368-006F-4645-ACE5-2DB5A8E0FA37}" type="datetime1">
-              <a:rPr lang="en-US" smtClean="0"/>
-              <a:t>10/11/2014</a:t>
+            <a:fld id="{A3639A2A-823D-48B7-9ACE-7FAF42870BA9}" type="datetime1">
+              <a:rPr lang="en-US" smtClean="0"/>
+              <a:t>9/28/2015</a:t>
             </a:fld>
             <a:endParaRPr lang="en-US"/>
           </a:p>
@@ -1404,7 +1776,7 @@
           <a:bodyPr/>
           <a:lstStyle/>
           <a:p>
-            <a:fld id="{4FF46DE1-096B-4EDD-A00F-DA0292705DA0}" type="slidenum">
+            <a:fld id="{2AF3B5EA-18B6-4040-9F78-6052AF49C681}" type="slidenum">
               <a:rPr lang="en-US" smtClean="0"/>
               <a:t>‹#›</a:t>
             </a:fld>
@@ -1415,7 +1787,7 @@
     </p:spTree>
     <p:extLst>
       <p:ext uri="{BB962C8B-B14F-4D97-AF65-F5344CB8AC3E}">
-        <p14:creationId xmlns:p14="http://schemas.microsoft.com/office/powerpoint/2010/main" val="1109273673"/>
+        <p14:creationId xmlns:p14="http://schemas.microsoft.com/office/powerpoint/2010/main" val="2531089994"/>
       </p:ext>
     </p:extLst>
   </p:cSld>
@@ -1425,7 +1797,7 @@
 </p:sldLayout>
 </file>
 
-<file path=ppt/slideLayouts/slideLayout12.xml><?xml version="1.0" encoding="utf-8"?>
+<file path=ppt/slideLayouts/slideLayout14.xml><?xml version="1.0" encoding="utf-8"?>
 <p:sldLayout xmlns:a="http://schemas.openxmlformats.org/drawingml/2006/main" xmlns:r="http://schemas.openxmlformats.org/officeDocument/2006/relationships" xmlns:p="http://schemas.openxmlformats.org/presentationml/2006/main" type="vertTitleAndTx" preserve="1">
   <p:cSld name="Vertical Title and Text">
     <p:spTree>
@@ -1542,9 +1914,9 @@
           <a:bodyPr/>
           <a:lstStyle/>
           <a:p>
-            <a:fld id="{815945C8-285F-421C-85DD-429D91824B4D}" type="datetime1">
-              <a:rPr lang="en-US" smtClean="0"/>
-              <a:t>10/11/2014</a:t>
+            <a:fld id="{ED1B6996-82E9-463C-972C-7B56056E426C}" type="datetime1">
+              <a:rPr lang="en-US" smtClean="0"/>
+              <a:t>9/28/2015</a:t>
             </a:fld>
             <a:endParaRPr lang="en-US"/>
           </a:p>
@@ -1584,7 +1956,7 @@
           <a:bodyPr/>
           <a:lstStyle/>
           <a:p>
-            <a:fld id="{4FF46DE1-096B-4EDD-A00F-DA0292705DA0}" type="slidenum">
+            <a:fld id="{2AF3B5EA-18B6-4040-9F78-6052AF49C681}" type="slidenum">
               <a:rPr lang="en-US" smtClean="0"/>
               <a:t>‹#›</a:t>
             </a:fld>
@@ -1595,13 +1967,20 @@
     </p:spTree>
     <p:extLst>
       <p:ext uri="{BB962C8B-B14F-4D97-AF65-F5344CB8AC3E}">
-        <p14:creationId xmlns:p14="http://schemas.microsoft.com/office/powerpoint/2010/main" val="2718129434"/>
+        <p14:creationId xmlns:p14="http://schemas.microsoft.com/office/powerpoint/2010/main" val="1991858834"/>
       </p:ext>
     </p:extLst>
   </p:cSld>
   <p:clrMapOvr>
     <a:masterClrMapping/>
   </p:clrMapOvr>
+  <p:timing>
+    <p:tnLst>
+      <p:par>
+        <p:cTn id="1" dur="indefinite" restart="never" nodeType="tmRoot"/>
+      </p:par>
+    </p:tnLst>
+  </p:timing>
 </p:sldLayout>
 </file>
 
@@ -1632,16 +2011,22 @@
             <p:ph type="title"/>
           </p:nvPr>
         </p:nvSpPr>
-        <p:spPr/>
-        <p:txBody>
-          <a:bodyPr/>
-          <a:lstStyle/>
-          <a:p>
-            <a:r>
-              <a:rPr lang="en-US" smtClean="0"/>
+        <p:spPr>
+          <a:ln w="28575">
+            <a:solidFill>
+              <a:schemeClr val="accent1"/>
+            </a:solidFill>
+          </a:ln>
+        </p:spPr>
+        <p:txBody>
+          <a:bodyPr/>
+          <a:lstStyle/>
+          <a:p>
+            <a:r>
+              <a:rPr lang="en-US" dirty="0" smtClean="0"/>
               <a:t>Click to edit Master title style</a:t>
             </a:r>
-            <a:endParaRPr lang="en-US"/>
+            <a:endParaRPr lang="en-US" dirty="0"/>
           </a:p>
         </p:txBody>
       </p:sp>
@@ -1712,9 +2097,9 @@
           <a:bodyPr/>
           <a:lstStyle/>
           <a:p>
-            <a:fld id="{191CDA1F-B310-4DAF-9EEA-FF17EC9B4C22}" type="datetime1">
-              <a:rPr lang="en-US" smtClean="0"/>
-              <a:t>10/11/2014</a:t>
+            <a:fld id="{E22ED4DA-448D-4BB1-B935-CC112220207B}" type="datetime1">
+              <a:rPr lang="en-US" smtClean="0"/>
+              <a:t>9/28/2015</a:t>
             </a:fld>
             <a:endParaRPr lang="en-US"/>
           </a:p>
@@ -1754,7 +2139,7 @@
           <a:bodyPr/>
           <a:lstStyle/>
           <a:p>
-            <a:fld id="{4FF46DE1-096B-4EDD-A00F-DA0292705DA0}" type="slidenum">
+            <a:fld id="{2AF3B5EA-18B6-4040-9F78-6052AF49C681}" type="slidenum">
               <a:rPr lang="en-US" smtClean="0"/>
               <a:t>‹#›</a:t>
             </a:fld>
@@ -1765,7 +2150,7 @@
     </p:spTree>
     <p:extLst>
       <p:ext uri="{BB962C8B-B14F-4D97-AF65-F5344CB8AC3E}">
-        <p14:creationId xmlns:p14="http://schemas.microsoft.com/office/powerpoint/2010/main" val="3722669205"/>
+        <p14:creationId xmlns:p14="http://schemas.microsoft.com/office/powerpoint/2010/main" val="4128831938"/>
       </p:ext>
     </p:extLst>
   </p:cSld>
@@ -1784,7 +2169,7 @@
 
 <file path=ppt/slideLayouts/slideLayout3.xml><?xml version="1.0" encoding="utf-8"?>
 <p:sldLayout xmlns:a="http://schemas.openxmlformats.org/drawingml/2006/main" xmlns:r="http://schemas.openxmlformats.org/officeDocument/2006/relationships" xmlns:p="http://schemas.openxmlformats.org/presentationml/2006/main" type="obj" preserve="1">
-  <p:cSld name="Code">
+  <p:cSld name="Video">
     <p:spTree>
       <p:nvGrpSpPr>
         <p:cNvPr id="1" name=""/>
@@ -1832,18 +2217,15 @@
             <p:ph idx="1"/>
           </p:nvPr>
         </p:nvSpPr>
-        <p:spPr/>
-        <p:txBody>
-          <a:bodyPr/>
-          <a:lstStyle>
-            <a:lvl1pPr marL="0" indent="0">
-              <a:buNone/>
-              <a:defRPr b="1">
-                <a:latin typeface="Consolas" pitchFamily="49" charset="0"/>
-                <a:cs typeface="Consolas" pitchFamily="49" charset="0"/>
-              </a:defRPr>
-            </a:lvl1pPr>
-          </a:lstStyle>
+        <p:spPr>
+          <a:xfrm>
+            <a:off x="1523999" y="2590798"/>
+            <a:ext cx="6096000" cy="2544763"/>
+          </a:xfrm>
+        </p:spPr>
+        <p:txBody>
+          <a:bodyPr/>
+          <a:lstStyle/>
           <a:p>
             <a:pPr lvl="0"/>
             <a:r>
@@ -1897,9 +2279,9 @@
           <a:bodyPr/>
           <a:lstStyle/>
           <a:p>
-            <a:fld id="{0B94A429-275E-4659-9D66-D45E9D0FFDA7}" type="datetime1">
-              <a:rPr lang="en-US" smtClean="0"/>
-              <a:t>10/11/2014</a:t>
+            <a:fld id="{E22ED4DA-448D-4BB1-B935-CC112220207B}" type="datetime1">
+              <a:rPr lang="en-US" smtClean="0"/>
+              <a:t>9/28/2015</a:t>
             </a:fld>
             <a:endParaRPr lang="en-US"/>
           </a:p>
@@ -1939,18 +2321,102 @@
           <a:bodyPr/>
           <a:lstStyle/>
           <a:p>
-            <a:fld id="{4FF46DE1-096B-4EDD-A00F-DA0292705DA0}" type="slidenum">
+            <a:fld id="{2AF3B5EA-18B6-4040-9F78-6052AF49C681}" type="slidenum">
               <a:rPr lang="en-US" smtClean="0"/>
               <a:t>‹#›</a:t>
             </a:fld>
             <a:endParaRPr lang="en-US"/>
+          </a:p>
+        </p:txBody>
+      </p:sp>
+      <p:sp>
+        <p:nvSpPr>
+          <p:cNvPr id="7" name="Rectangle 6"/>
+          <p:cNvSpPr/>
+          <p:nvPr userDrawn="1"/>
+        </p:nvSpPr>
+        <p:spPr>
+          <a:xfrm>
+            <a:off x="794551" y="1719223"/>
+            <a:ext cx="7554897" cy="4287915"/>
+          </a:xfrm>
+          <a:prstGeom prst="rect">
+            <a:avLst/>
+          </a:prstGeom>
+          <a:noFill/>
+          <a:ln w="12700">
+            <a:solidFill>
+              <a:schemeClr val="tx1"/>
+            </a:solidFill>
+          </a:ln>
+        </p:spPr>
+        <p:style>
+          <a:lnRef idx="2">
+            <a:schemeClr val="accent1">
+              <a:shade val="50000"/>
+            </a:schemeClr>
+          </a:lnRef>
+          <a:fillRef idx="1">
+            <a:schemeClr val="accent1"/>
+          </a:fillRef>
+          <a:effectRef idx="0">
+            <a:schemeClr val="accent1"/>
+          </a:effectRef>
+          <a:fontRef idx="minor">
+            <a:schemeClr val="lt1"/>
+          </a:fontRef>
+        </p:style>
+        <p:txBody>
+          <a:bodyPr rtlCol="0" anchor="ctr"/>
+          <a:lstStyle/>
+          <a:p>
+            <a:pPr algn="ctr"/>
+            <a:endParaRPr lang="en-US" dirty="0" smtClean="0">
+              <a:solidFill>
+                <a:schemeClr val="tx1"/>
+              </a:solidFill>
+            </a:endParaRPr>
+          </a:p>
+        </p:txBody>
+      </p:sp>
+      <p:sp>
+        <p:nvSpPr>
+          <p:cNvPr id="8" name="TextBox 7"/>
+          <p:cNvSpPr txBox="1"/>
+          <p:nvPr userDrawn="1"/>
+        </p:nvSpPr>
+        <p:spPr>
+          <a:xfrm>
+            <a:off x="5943600" y="1793674"/>
+            <a:ext cx="2286000" cy="646331"/>
+          </a:xfrm>
+          <a:prstGeom prst="rect">
+            <a:avLst/>
+          </a:prstGeom>
+          <a:noFill/>
+        </p:spPr>
+        <p:txBody>
+          <a:bodyPr wrap="square" rtlCol="0">
+            <a:spAutoFit/>
+          </a:bodyPr>
+          <a:lstStyle/>
+          <a:p>
+            <a:r>
+              <a:rPr lang="en-US" dirty="0" smtClean="0"/>
+              <a:t>Resize video to this</a:t>
+            </a:r>
+            <a:r>
+              <a:rPr lang="en-US" baseline="0" dirty="0" smtClean="0"/>
+              <a:t> box.</a:t>
+            </a:r>
+            <a:endParaRPr lang="en-US" dirty="0"/>
           </a:p>
         </p:txBody>
       </p:sp>
     </p:spTree>
     <p:extLst>
       <p:ext uri="{BB962C8B-B14F-4D97-AF65-F5344CB8AC3E}">
-        <p14:creationId xmlns:p14="http://schemas.microsoft.com/office/powerpoint/2010/main" val="3339624782"/>
+        <p14:creationId xmlns:p14="http://schemas.microsoft.com/office/powerpoint/2010/main" val="232147845"/>
       </p:ext>
     </p:extLst>
   </p:cSld>
@@ -1968,6 +2434,425 @@
 </file>
 
 <file path=ppt/slideLayouts/slideLayout4.xml><?xml version="1.0" encoding="utf-8"?>
+<p:sldLayout xmlns:a="http://schemas.openxmlformats.org/drawingml/2006/main" xmlns:r="http://schemas.openxmlformats.org/officeDocument/2006/relationships" xmlns:p="http://schemas.openxmlformats.org/presentationml/2006/main" type="obj" preserve="1">
+  <p:cSld name="Code">
+    <p:spTree>
+      <p:nvGrpSpPr>
+        <p:cNvPr id="1" name=""/>
+        <p:cNvGrpSpPr/>
+        <p:nvPr/>
+      </p:nvGrpSpPr>
+      <p:grpSpPr>
+        <a:xfrm>
+          <a:off x="0" y="0"/>
+          <a:ext cx="0" cy="0"/>
+          <a:chOff x="0" y="0"/>
+          <a:chExt cx="0" cy="0"/>
+        </a:xfrm>
+      </p:grpSpPr>
+      <p:sp>
+        <p:nvSpPr>
+          <p:cNvPr id="2" name="Title 1"/>
+          <p:cNvSpPr>
+            <a:spLocks noGrp="1"/>
+          </p:cNvSpPr>
+          <p:nvPr>
+            <p:ph type="title"/>
+          </p:nvPr>
+        </p:nvSpPr>
+        <p:spPr/>
+        <p:txBody>
+          <a:bodyPr/>
+          <a:lstStyle/>
+          <a:p>
+            <a:r>
+              <a:rPr lang="en-US" smtClean="0"/>
+              <a:t>Click to edit Master title style</a:t>
+            </a:r>
+            <a:endParaRPr lang="en-US"/>
+          </a:p>
+        </p:txBody>
+      </p:sp>
+      <p:sp>
+        <p:nvSpPr>
+          <p:cNvPr id="3" name="Content Placeholder 2"/>
+          <p:cNvSpPr>
+            <a:spLocks noGrp="1"/>
+          </p:cNvSpPr>
+          <p:nvPr>
+            <p:ph idx="1"/>
+          </p:nvPr>
+        </p:nvSpPr>
+        <p:spPr/>
+        <p:txBody>
+          <a:bodyPr/>
+          <a:lstStyle>
+            <a:lvl1pPr marL="0" indent="0">
+              <a:buNone/>
+              <a:defRPr b="1">
+                <a:latin typeface="Consolas" pitchFamily="49" charset="0"/>
+                <a:cs typeface="Consolas" pitchFamily="49" charset="0"/>
+              </a:defRPr>
+            </a:lvl1pPr>
+          </a:lstStyle>
+          <a:p>
+            <a:pPr lvl="0"/>
+            <a:r>
+              <a:rPr lang="en-US" dirty="0" smtClean="0"/>
+              <a:t>Click to edit Master text styles</a:t>
+            </a:r>
+          </a:p>
+          <a:p>
+            <a:pPr lvl="1"/>
+            <a:r>
+              <a:rPr lang="en-US" dirty="0" smtClean="0"/>
+              <a:t>Second level</a:t>
+            </a:r>
+          </a:p>
+          <a:p>
+            <a:pPr lvl="2"/>
+            <a:r>
+              <a:rPr lang="en-US" dirty="0" smtClean="0"/>
+              <a:t>Third level</a:t>
+            </a:r>
+          </a:p>
+          <a:p>
+            <a:pPr lvl="3"/>
+            <a:r>
+              <a:rPr lang="en-US" dirty="0" smtClean="0"/>
+              <a:t>Fourth level</a:t>
+            </a:r>
+          </a:p>
+          <a:p>
+            <a:pPr lvl="4"/>
+            <a:r>
+              <a:rPr lang="en-US" dirty="0" smtClean="0"/>
+              <a:t>Fifth level</a:t>
+            </a:r>
+            <a:endParaRPr lang="en-US" dirty="0"/>
+          </a:p>
+        </p:txBody>
+      </p:sp>
+      <p:sp>
+        <p:nvSpPr>
+          <p:cNvPr id="4" name="Date Placeholder 3"/>
+          <p:cNvSpPr>
+            <a:spLocks noGrp="1"/>
+          </p:cNvSpPr>
+          <p:nvPr>
+            <p:ph type="dt" sz="half" idx="10"/>
+          </p:nvPr>
+        </p:nvSpPr>
+        <p:spPr/>
+        <p:txBody>
+          <a:bodyPr/>
+          <a:lstStyle/>
+          <a:p>
+            <a:fld id="{FF5D65A6-AB94-4435-B0B7-3743215FA46C}" type="datetime1">
+              <a:rPr lang="en-US" smtClean="0"/>
+              <a:t>9/28/2015</a:t>
+            </a:fld>
+            <a:endParaRPr lang="en-US"/>
+          </a:p>
+        </p:txBody>
+      </p:sp>
+      <p:sp>
+        <p:nvSpPr>
+          <p:cNvPr id="5" name="Footer Placeholder 4"/>
+          <p:cNvSpPr>
+            <a:spLocks noGrp="1"/>
+          </p:cNvSpPr>
+          <p:nvPr>
+            <p:ph type="ftr" sz="quarter" idx="11"/>
+          </p:nvPr>
+        </p:nvSpPr>
+        <p:spPr/>
+        <p:txBody>
+          <a:bodyPr/>
+          <a:lstStyle/>
+          <a:p>
+            <a:endParaRPr lang="en-US"/>
+          </a:p>
+        </p:txBody>
+      </p:sp>
+      <p:sp>
+        <p:nvSpPr>
+          <p:cNvPr id="6" name="Slide Number Placeholder 5"/>
+          <p:cNvSpPr>
+            <a:spLocks noGrp="1"/>
+          </p:cNvSpPr>
+          <p:nvPr>
+            <p:ph type="sldNum" sz="quarter" idx="12"/>
+          </p:nvPr>
+        </p:nvSpPr>
+        <p:spPr/>
+        <p:txBody>
+          <a:bodyPr/>
+          <a:lstStyle/>
+          <a:p>
+            <a:fld id="{2AF3B5EA-18B6-4040-9F78-6052AF49C681}" type="slidenum">
+              <a:rPr lang="en-US" smtClean="0"/>
+              <a:t>‹#›</a:t>
+            </a:fld>
+            <a:endParaRPr lang="en-US"/>
+          </a:p>
+        </p:txBody>
+      </p:sp>
+    </p:spTree>
+    <p:extLst>
+      <p:ext uri="{BB962C8B-B14F-4D97-AF65-F5344CB8AC3E}">
+        <p14:creationId xmlns:p14="http://schemas.microsoft.com/office/powerpoint/2010/main" val="2204257924"/>
+      </p:ext>
+    </p:extLst>
+  </p:cSld>
+  <p:clrMapOvr>
+    <a:masterClrMapping/>
+  </p:clrMapOvr>
+  <p:timing>
+    <p:tnLst>
+      <p:par>
+        <p:cTn id="1" dur="indefinite" restart="never" nodeType="tmRoot"/>
+      </p:par>
+    </p:tnLst>
+  </p:timing>
+</p:sldLayout>
+</file>
+
+<file path=ppt/slideLayouts/slideLayout5.xml><?xml version="1.0" encoding="utf-8"?>
+<p:sldLayout xmlns:a="http://schemas.openxmlformats.org/drawingml/2006/main" xmlns:r="http://schemas.openxmlformats.org/officeDocument/2006/relationships" xmlns:p="http://schemas.openxmlformats.org/presentationml/2006/main" type="obj" preserve="1">
+  <p:cSld name="Video Clip">
+    <p:spTree>
+      <p:nvGrpSpPr>
+        <p:cNvPr id="1" name=""/>
+        <p:cNvGrpSpPr/>
+        <p:nvPr/>
+      </p:nvGrpSpPr>
+      <p:grpSpPr>
+        <a:xfrm>
+          <a:off x="0" y="0"/>
+          <a:ext cx="0" cy="0"/>
+          <a:chOff x="0" y="0"/>
+          <a:chExt cx="0" cy="0"/>
+        </a:xfrm>
+      </p:grpSpPr>
+      <p:sp>
+        <p:nvSpPr>
+          <p:cNvPr id="2" name="Title 1"/>
+          <p:cNvSpPr>
+            <a:spLocks noGrp="1"/>
+          </p:cNvSpPr>
+          <p:nvPr>
+            <p:ph type="title"/>
+          </p:nvPr>
+        </p:nvSpPr>
+        <p:spPr/>
+        <p:txBody>
+          <a:bodyPr/>
+          <a:lstStyle/>
+          <a:p>
+            <a:r>
+              <a:rPr lang="en-US" smtClean="0"/>
+              <a:t>Click to edit Master title style</a:t>
+            </a:r>
+            <a:endParaRPr lang="en-US"/>
+          </a:p>
+        </p:txBody>
+      </p:sp>
+      <p:sp>
+        <p:nvSpPr>
+          <p:cNvPr id="3" name="Content Placeholder 2"/>
+          <p:cNvSpPr>
+            <a:spLocks noGrp="1"/>
+          </p:cNvSpPr>
+          <p:nvPr>
+            <p:ph idx="1"/>
+          </p:nvPr>
+        </p:nvSpPr>
+        <p:spPr/>
+        <p:txBody>
+          <a:bodyPr/>
+          <a:lstStyle>
+            <a:lvl1pPr marL="0" indent="0">
+              <a:buNone/>
+              <a:defRPr b="1">
+                <a:latin typeface="Consolas" pitchFamily="49" charset="0"/>
+                <a:cs typeface="Consolas" pitchFamily="49" charset="0"/>
+              </a:defRPr>
+            </a:lvl1pPr>
+          </a:lstStyle>
+          <a:p>
+            <a:pPr lvl="0"/>
+            <a:r>
+              <a:rPr lang="en-US" dirty="0" smtClean="0"/>
+              <a:t>Click to edit Master text styles</a:t>
+            </a:r>
+          </a:p>
+          <a:p>
+            <a:pPr lvl="1"/>
+            <a:r>
+              <a:rPr lang="en-US" dirty="0" smtClean="0"/>
+              <a:t>Second level</a:t>
+            </a:r>
+          </a:p>
+          <a:p>
+            <a:pPr lvl="2"/>
+            <a:r>
+              <a:rPr lang="en-US" dirty="0" smtClean="0"/>
+              <a:t>Third level</a:t>
+            </a:r>
+          </a:p>
+          <a:p>
+            <a:pPr lvl="3"/>
+            <a:r>
+              <a:rPr lang="en-US" dirty="0" smtClean="0"/>
+              <a:t>Fourth level</a:t>
+            </a:r>
+          </a:p>
+          <a:p>
+            <a:pPr lvl="4"/>
+            <a:r>
+              <a:rPr lang="en-US" dirty="0" smtClean="0"/>
+              <a:t>Fifth level</a:t>
+            </a:r>
+            <a:endParaRPr lang="en-US" dirty="0"/>
+          </a:p>
+        </p:txBody>
+      </p:sp>
+      <p:sp>
+        <p:nvSpPr>
+          <p:cNvPr id="4" name="Date Placeholder 3"/>
+          <p:cNvSpPr>
+            <a:spLocks noGrp="1"/>
+          </p:cNvSpPr>
+          <p:nvPr>
+            <p:ph type="dt" sz="half" idx="10"/>
+          </p:nvPr>
+        </p:nvSpPr>
+        <p:spPr/>
+        <p:txBody>
+          <a:bodyPr/>
+          <a:lstStyle/>
+          <a:p>
+            <a:fld id="{FF5D65A6-AB94-4435-B0B7-3743215FA46C}" type="datetime1">
+              <a:rPr lang="en-US" smtClean="0"/>
+              <a:t>9/28/2015</a:t>
+            </a:fld>
+            <a:endParaRPr lang="en-US"/>
+          </a:p>
+        </p:txBody>
+      </p:sp>
+      <p:sp>
+        <p:nvSpPr>
+          <p:cNvPr id="5" name="Footer Placeholder 4"/>
+          <p:cNvSpPr>
+            <a:spLocks noGrp="1"/>
+          </p:cNvSpPr>
+          <p:nvPr>
+            <p:ph type="ftr" sz="quarter" idx="11"/>
+          </p:nvPr>
+        </p:nvSpPr>
+        <p:spPr/>
+        <p:txBody>
+          <a:bodyPr/>
+          <a:lstStyle/>
+          <a:p>
+            <a:endParaRPr lang="en-US"/>
+          </a:p>
+        </p:txBody>
+      </p:sp>
+      <p:sp>
+        <p:nvSpPr>
+          <p:cNvPr id="7" name="Rectangle 6"/>
+          <p:cNvSpPr/>
+          <p:nvPr userDrawn="1"/>
+        </p:nvSpPr>
+        <p:spPr>
+          <a:xfrm>
+            <a:off x="609600" y="1676400"/>
+            <a:ext cx="7924800" cy="4343400"/>
+          </a:xfrm>
+          <a:prstGeom prst="rect">
+            <a:avLst/>
+          </a:prstGeom>
+          <a:noFill/>
+          <a:ln/>
+        </p:spPr>
+        <p:style>
+          <a:lnRef idx="2">
+            <a:schemeClr val="dk1"/>
+          </a:lnRef>
+          <a:fillRef idx="1">
+            <a:schemeClr val="lt1"/>
+          </a:fillRef>
+          <a:effectRef idx="0">
+            <a:schemeClr val="dk1"/>
+          </a:effectRef>
+          <a:fontRef idx="minor">
+            <a:schemeClr val="dk1"/>
+          </a:fontRef>
+        </p:style>
+        <p:txBody>
+          <a:bodyPr rot="0" spcFirstLastPara="0" vertOverflow="overflow" horzOverflow="overflow" vert="horz" wrap="square" lIns="91440" tIns="45720" rIns="91440" bIns="45720" numCol="1" spcCol="0" rtlCol="0" fromWordArt="0" anchor="ctr" anchorCtr="0" forceAA="0" compatLnSpc="1">
+            <a:prstTxWarp prst="textNoShape">
+              <a:avLst/>
+            </a:prstTxWarp>
+            <a:noAutofit/>
+          </a:bodyPr>
+          <a:lstStyle/>
+          <a:p>
+            <a:pPr algn="ctr"/>
+            <a:endParaRPr lang="en-US" dirty="0">
+              <a:solidFill>
+                <a:schemeClr val="tx1"/>
+              </a:solidFill>
+            </a:endParaRPr>
+          </a:p>
+        </p:txBody>
+      </p:sp>
+      <p:sp>
+        <p:nvSpPr>
+          <p:cNvPr id="6" name="Slide Number Placeholder 5"/>
+          <p:cNvSpPr>
+            <a:spLocks noGrp="1"/>
+          </p:cNvSpPr>
+          <p:nvPr>
+            <p:ph type="sldNum" sz="quarter" idx="12"/>
+          </p:nvPr>
+        </p:nvSpPr>
+        <p:spPr/>
+        <p:txBody>
+          <a:bodyPr/>
+          <a:lstStyle/>
+          <a:p>
+            <a:fld id="{2AF3B5EA-18B6-4040-9F78-6052AF49C681}" type="slidenum">
+              <a:rPr lang="en-US" smtClean="0"/>
+              <a:t>‹#›</a:t>
+            </a:fld>
+            <a:endParaRPr lang="en-US"/>
+          </a:p>
+        </p:txBody>
+      </p:sp>
+    </p:spTree>
+    <p:extLst>
+      <p:ext uri="{BB962C8B-B14F-4D97-AF65-F5344CB8AC3E}">
+        <p14:creationId xmlns:p14="http://schemas.microsoft.com/office/powerpoint/2010/main" val="3317188825"/>
+      </p:ext>
+    </p:extLst>
+  </p:cSld>
+  <p:clrMapOvr>
+    <a:masterClrMapping/>
+  </p:clrMapOvr>
+  <p:timing>
+    <p:tnLst>
+      <p:par>
+        <p:cTn id="1" dur="indefinite" restart="never" nodeType="tmRoot"/>
+      </p:par>
+    </p:tnLst>
+  </p:timing>
+</p:sldLayout>
+</file>
+
+<file path=ppt/slideLayouts/slideLayout6.xml><?xml version="1.0" encoding="utf-8"?>
 <p:sldLayout xmlns:a="http://schemas.openxmlformats.org/drawingml/2006/main" xmlns:r="http://schemas.openxmlformats.org/officeDocument/2006/relationships" xmlns:p="http://schemas.openxmlformats.org/presentationml/2006/main" type="secHead" preserve="1">
   <p:cSld name="Section Header">
     <p:spTree>
@@ -2150,9 +3035,9 @@
           <a:bodyPr/>
           <a:lstStyle/>
           <a:p>
-            <a:fld id="{768CFFCD-3BD9-473B-A146-57389E886AB4}" type="datetime1">
-              <a:rPr lang="en-US" smtClean="0"/>
-              <a:t>10/11/2014</a:t>
+            <a:fld id="{7C193DC4-6EF0-48C9-B29C-616106A645E1}" type="datetime1">
+              <a:rPr lang="en-US" smtClean="0"/>
+              <a:t>9/28/2015</a:t>
             </a:fld>
             <a:endParaRPr lang="en-US"/>
           </a:p>
@@ -2192,7 +3077,7 @@
           <a:bodyPr/>
           <a:lstStyle/>
           <a:p>
-            <a:fld id="{4FF46DE1-096B-4EDD-A00F-DA0292705DA0}" type="slidenum">
+            <a:fld id="{2AF3B5EA-18B6-4040-9F78-6052AF49C681}" type="slidenum">
               <a:rPr lang="en-US" smtClean="0"/>
               <a:t>‹#›</a:t>
             </a:fld>
@@ -2203,7 +3088,7 @@
     </p:spTree>
     <p:extLst>
       <p:ext uri="{BB962C8B-B14F-4D97-AF65-F5344CB8AC3E}">
-        <p14:creationId xmlns:p14="http://schemas.microsoft.com/office/powerpoint/2010/main" val="4041348519"/>
+        <p14:creationId xmlns:p14="http://schemas.microsoft.com/office/powerpoint/2010/main" val="974769526"/>
       </p:ext>
     </p:extLst>
   </p:cSld>
@@ -2213,7 +3098,7 @@
 </p:sldLayout>
 </file>
 
-<file path=ppt/slideLayouts/slideLayout5.xml><?xml version="1.0" encoding="utf-8"?>
+<file path=ppt/slideLayouts/slideLayout7.xml><?xml version="1.0" encoding="utf-8"?>
 <p:sldLayout xmlns:a="http://schemas.openxmlformats.org/drawingml/2006/main" xmlns:r="http://schemas.openxmlformats.org/officeDocument/2006/relationships" xmlns:p="http://schemas.openxmlformats.org/presentationml/2006/main" type="twoObj" preserve="1">
   <p:cSld name="Two Content">
     <p:spTree>
@@ -2438,9 +3323,9 @@
           <a:bodyPr/>
           <a:lstStyle/>
           <a:p>
-            <a:fld id="{198A01AC-891E-4E4C-8EAA-40E2766D79B0}" type="datetime1">
-              <a:rPr lang="en-US" smtClean="0"/>
-              <a:t>10/11/2014</a:t>
+            <a:fld id="{5D1846AD-9252-4647-9435-4C2AC365653A}" type="datetime1">
+              <a:rPr lang="en-US" smtClean="0"/>
+              <a:t>9/28/2015</a:t>
             </a:fld>
             <a:endParaRPr lang="en-US"/>
           </a:p>
@@ -2480,7 +3365,7 @@
           <a:bodyPr/>
           <a:lstStyle/>
           <a:p>
-            <a:fld id="{4FF46DE1-096B-4EDD-A00F-DA0292705DA0}" type="slidenum">
+            <a:fld id="{2AF3B5EA-18B6-4040-9F78-6052AF49C681}" type="slidenum">
               <a:rPr lang="en-US" smtClean="0"/>
               <a:t>‹#›</a:t>
             </a:fld>
@@ -2491,7 +3376,7 @@
     </p:spTree>
     <p:extLst>
       <p:ext uri="{BB962C8B-B14F-4D97-AF65-F5344CB8AC3E}">
-        <p14:creationId xmlns:p14="http://schemas.microsoft.com/office/powerpoint/2010/main" val="3837670795"/>
+        <p14:creationId xmlns:p14="http://schemas.microsoft.com/office/powerpoint/2010/main" val="658281075"/>
       </p:ext>
     </p:extLst>
   </p:cSld>
@@ -2501,7 +3386,7 @@
 </p:sldLayout>
 </file>
 
-<file path=ppt/slideLayouts/slideLayout6.xml><?xml version="1.0" encoding="utf-8"?>
+<file path=ppt/slideLayouts/slideLayout8.xml><?xml version="1.0" encoding="utf-8"?>
 <p:sldLayout xmlns:a="http://schemas.openxmlformats.org/drawingml/2006/main" xmlns:r="http://schemas.openxmlformats.org/officeDocument/2006/relationships" xmlns:p="http://schemas.openxmlformats.org/presentationml/2006/main" type="twoTxTwoObj" preserve="1">
   <p:cSld name="Comparison">
     <p:spTree>
@@ -2860,9 +3745,9 @@
           <a:bodyPr/>
           <a:lstStyle/>
           <a:p>
-            <a:fld id="{D4F1E26A-B0B1-4112-BA23-DFA6B1DA2E72}" type="datetime1">
-              <a:rPr lang="en-US" smtClean="0"/>
-              <a:t>10/11/2014</a:t>
+            <a:fld id="{CE56DC10-3561-4063-A6AF-C1CC7A41040A}" type="datetime1">
+              <a:rPr lang="en-US" smtClean="0"/>
+              <a:t>9/28/2015</a:t>
             </a:fld>
             <a:endParaRPr lang="en-US"/>
           </a:p>
@@ -2902,7 +3787,7 @@
           <a:bodyPr/>
           <a:lstStyle/>
           <a:p>
-            <a:fld id="{4FF46DE1-096B-4EDD-A00F-DA0292705DA0}" type="slidenum">
+            <a:fld id="{2AF3B5EA-18B6-4040-9F78-6052AF49C681}" type="slidenum">
               <a:rPr lang="en-US" smtClean="0"/>
               <a:t>‹#›</a:t>
             </a:fld>
@@ -2913,7 +3798,7 @@
     </p:spTree>
     <p:extLst>
       <p:ext uri="{BB962C8B-B14F-4D97-AF65-F5344CB8AC3E}">
-        <p14:creationId xmlns:p14="http://schemas.microsoft.com/office/powerpoint/2010/main" val="2322041398"/>
+        <p14:creationId xmlns:p14="http://schemas.microsoft.com/office/powerpoint/2010/main" val="1835256663"/>
       </p:ext>
     </p:extLst>
   </p:cSld>
@@ -2923,7 +3808,7 @@
 </p:sldLayout>
 </file>
 
-<file path=ppt/slideLayouts/slideLayout7.xml><?xml version="1.0" encoding="utf-8"?>
+<file path=ppt/slideLayouts/slideLayout9.xml><?xml version="1.0" encoding="utf-8"?>
 <p:sldLayout xmlns:a="http://schemas.openxmlformats.org/drawingml/2006/main" xmlns:r="http://schemas.openxmlformats.org/officeDocument/2006/relationships" xmlns:p="http://schemas.openxmlformats.org/presentationml/2006/main" type="titleOnly" preserve="1">
   <p:cSld name="Title Only">
     <p:spTree>
@@ -2978,9 +3863,9 @@
           <a:bodyPr/>
           <a:lstStyle/>
           <a:p>
-            <a:fld id="{D1248CA4-B8D1-46F2-8027-9E792BEABD2E}" type="datetime1">
-              <a:rPr lang="en-US" smtClean="0"/>
-              <a:t>10/11/2014</a:t>
+            <a:fld id="{2F7B77F5-1464-4F6B-92A8-64FC8A508293}" type="datetime1">
+              <a:rPr lang="en-US" smtClean="0"/>
+              <a:t>9/28/2015</a:t>
             </a:fld>
             <a:endParaRPr lang="en-US"/>
           </a:p>
@@ -3020,7 +3905,7 @@
           <a:bodyPr/>
           <a:lstStyle/>
           <a:p>
-            <a:fld id="{4FF46DE1-096B-4EDD-A00F-DA0292705DA0}" type="slidenum">
+            <a:fld id="{2AF3B5EA-18B6-4040-9F78-6052AF49C681}" type="slidenum">
               <a:rPr lang="en-US" smtClean="0"/>
               <a:t>‹#›</a:t>
             </a:fld>
@@ -3031,390 +3916,25 @@
     </p:spTree>
     <p:extLst>
       <p:ext uri="{BB962C8B-B14F-4D97-AF65-F5344CB8AC3E}">
-        <p14:creationId xmlns:p14="http://schemas.microsoft.com/office/powerpoint/2010/main" val="988283901"/>
+        <p14:creationId xmlns:p14="http://schemas.microsoft.com/office/powerpoint/2010/main" val="157966495"/>
       </p:ext>
     </p:extLst>
   </p:cSld>
   <p:clrMapOvr>
     <a:masterClrMapping/>
   </p:clrMapOvr>
-</p:sldLayout>
-</file>
-
-<file path=ppt/slideLayouts/slideLayout8.xml><?xml version="1.0" encoding="utf-8"?>
-<p:sldLayout xmlns:a="http://schemas.openxmlformats.org/drawingml/2006/main" xmlns:r="http://schemas.openxmlformats.org/officeDocument/2006/relationships" xmlns:p="http://schemas.openxmlformats.org/presentationml/2006/main" type="blank" preserve="1">
-  <p:cSld name="Blank">
-    <p:spTree>
-      <p:nvGrpSpPr>
-        <p:cNvPr id="1" name=""/>
-        <p:cNvGrpSpPr/>
-        <p:nvPr/>
-      </p:nvGrpSpPr>
-      <p:grpSpPr>
-        <a:xfrm>
-          <a:off x="0" y="0"/>
-          <a:ext cx="0" cy="0"/>
-          <a:chOff x="0" y="0"/>
-          <a:chExt cx="0" cy="0"/>
-        </a:xfrm>
-      </p:grpSpPr>
-      <p:sp>
-        <p:nvSpPr>
-          <p:cNvPr id="2" name="Date Placeholder 1"/>
-          <p:cNvSpPr>
-            <a:spLocks noGrp="1"/>
-          </p:cNvSpPr>
-          <p:nvPr>
-            <p:ph type="dt" sz="half" idx="10"/>
-          </p:nvPr>
-        </p:nvSpPr>
-        <p:spPr/>
-        <p:txBody>
-          <a:bodyPr/>
-          <a:lstStyle/>
-          <a:p>
-            <a:fld id="{ADDC9793-5C9F-43BD-A427-B6DF8EBA2AD1}" type="datetime1">
-              <a:rPr lang="en-US" smtClean="0"/>
-              <a:t>10/11/2014</a:t>
-            </a:fld>
-            <a:endParaRPr lang="en-US"/>
-          </a:p>
-        </p:txBody>
-      </p:sp>
-      <p:sp>
-        <p:nvSpPr>
-          <p:cNvPr id="3" name="Footer Placeholder 2"/>
-          <p:cNvSpPr>
-            <a:spLocks noGrp="1"/>
-          </p:cNvSpPr>
-          <p:nvPr>
-            <p:ph type="ftr" sz="quarter" idx="11"/>
-          </p:nvPr>
-        </p:nvSpPr>
-        <p:spPr/>
-        <p:txBody>
-          <a:bodyPr/>
-          <a:lstStyle/>
-          <a:p>
-            <a:endParaRPr lang="en-US"/>
-          </a:p>
-        </p:txBody>
-      </p:sp>
-      <p:sp>
-        <p:nvSpPr>
-          <p:cNvPr id="4" name="Slide Number Placeholder 3"/>
-          <p:cNvSpPr>
-            <a:spLocks noGrp="1"/>
-          </p:cNvSpPr>
-          <p:nvPr>
-            <p:ph type="sldNum" sz="quarter" idx="12"/>
-          </p:nvPr>
-        </p:nvSpPr>
-        <p:spPr/>
-        <p:txBody>
-          <a:bodyPr/>
-          <a:lstStyle/>
-          <a:p>
-            <a:fld id="{4FF46DE1-096B-4EDD-A00F-DA0292705DA0}" type="slidenum">
-              <a:rPr lang="en-US" smtClean="0"/>
-              <a:t>‹#›</a:t>
-            </a:fld>
-            <a:endParaRPr lang="en-US"/>
-          </a:p>
-        </p:txBody>
-      </p:sp>
-    </p:spTree>
-    <p:extLst>
-      <p:ext uri="{BB962C8B-B14F-4D97-AF65-F5344CB8AC3E}">
-        <p14:creationId xmlns:p14="http://schemas.microsoft.com/office/powerpoint/2010/main" val="2535846983"/>
-      </p:ext>
-    </p:extLst>
-  </p:cSld>
-  <p:clrMapOvr>
-    <a:masterClrMapping/>
-  </p:clrMapOvr>
-</p:sldLayout>
-</file>
-
-<file path=ppt/slideLayouts/slideLayout9.xml><?xml version="1.0" encoding="utf-8"?>
-<p:sldLayout xmlns:a="http://schemas.openxmlformats.org/drawingml/2006/main" xmlns:r="http://schemas.openxmlformats.org/officeDocument/2006/relationships" xmlns:p="http://schemas.openxmlformats.org/presentationml/2006/main" type="objTx" preserve="1">
-  <p:cSld name="Content with Caption">
-    <p:spTree>
-      <p:nvGrpSpPr>
-        <p:cNvPr id="1" name=""/>
-        <p:cNvGrpSpPr/>
-        <p:nvPr/>
-      </p:nvGrpSpPr>
-      <p:grpSpPr>
-        <a:xfrm>
-          <a:off x="0" y="0"/>
-          <a:ext cx="0" cy="0"/>
-          <a:chOff x="0" y="0"/>
-          <a:chExt cx="0" cy="0"/>
-        </a:xfrm>
-      </p:grpSpPr>
-      <p:sp>
-        <p:nvSpPr>
-          <p:cNvPr id="2" name="Title 1"/>
-          <p:cNvSpPr>
-            <a:spLocks noGrp="1"/>
-          </p:cNvSpPr>
-          <p:nvPr>
-            <p:ph type="title"/>
-          </p:nvPr>
-        </p:nvSpPr>
-        <p:spPr>
-          <a:xfrm>
-            <a:off x="457200" y="273050"/>
-            <a:ext cx="3008313" cy="1162050"/>
-          </a:xfrm>
-        </p:spPr>
-        <p:txBody>
-          <a:bodyPr anchor="b"/>
-          <a:lstStyle>
-            <a:lvl1pPr algn="l">
-              <a:defRPr sz="2000" b="1"/>
-            </a:lvl1pPr>
-          </a:lstStyle>
-          <a:p>
-            <a:r>
-              <a:rPr lang="en-US" smtClean="0"/>
-              <a:t>Click to edit Master title style</a:t>
-            </a:r>
-            <a:endParaRPr lang="en-US"/>
-          </a:p>
-        </p:txBody>
-      </p:sp>
-      <p:sp>
-        <p:nvSpPr>
-          <p:cNvPr id="3" name="Content Placeholder 2"/>
-          <p:cNvSpPr>
-            <a:spLocks noGrp="1"/>
-          </p:cNvSpPr>
-          <p:nvPr>
-            <p:ph idx="1"/>
-          </p:nvPr>
-        </p:nvSpPr>
-        <p:spPr>
-          <a:xfrm>
-            <a:off x="3575050" y="273050"/>
-            <a:ext cx="5111750" cy="5853113"/>
-          </a:xfrm>
-        </p:spPr>
-        <p:txBody>
-          <a:bodyPr/>
-          <a:lstStyle>
-            <a:lvl1pPr>
-              <a:defRPr sz="3200"/>
-            </a:lvl1pPr>
-            <a:lvl2pPr>
-              <a:defRPr sz="2800"/>
-            </a:lvl2pPr>
-            <a:lvl3pPr>
-              <a:defRPr sz="2400"/>
-            </a:lvl3pPr>
-            <a:lvl4pPr>
-              <a:defRPr sz="2000"/>
-            </a:lvl4pPr>
-            <a:lvl5pPr>
-              <a:defRPr sz="2000"/>
-            </a:lvl5pPr>
-            <a:lvl6pPr>
-              <a:defRPr sz="2000"/>
-            </a:lvl6pPr>
-            <a:lvl7pPr>
-              <a:defRPr sz="2000"/>
-            </a:lvl7pPr>
-            <a:lvl8pPr>
-              <a:defRPr sz="2000"/>
-            </a:lvl8pPr>
-            <a:lvl9pPr>
-              <a:defRPr sz="2000"/>
-            </a:lvl9pPr>
-          </a:lstStyle>
-          <a:p>
-            <a:pPr lvl="0"/>
-            <a:r>
-              <a:rPr lang="en-US" smtClean="0"/>
-              <a:t>Click to edit Master text styles</a:t>
-            </a:r>
-          </a:p>
-          <a:p>
-            <a:pPr lvl="1"/>
-            <a:r>
-              <a:rPr lang="en-US" smtClean="0"/>
-              <a:t>Second level</a:t>
-            </a:r>
-          </a:p>
-          <a:p>
-            <a:pPr lvl="2"/>
-            <a:r>
-              <a:rPr lang="en-US" smtClean="0"/>
-              <a:t>Third level</a:t>
-            </a:r>
-          </a:p>
-          <a:p>
-            <a:pPr lvl="3"/>
-            <a:r>
-              <a:rPr lang="en-US" smtClean="0"/>
-              <a:t>Fourth level</a:t>
-            </a:r>
-          </a:p>
-          <a:p>
-            <a:pPr lvl="4"/>
-            <a:r>
-              <a:rPr lang="en-US" smtClean="0"/>
-              <a:t>Fifth level</a:t>
-            </a:r>
-            <a:endParaRPr lang="en-US"/>
-          </a:p>
-        </p:txBody>
-      </p:sp>
-      <p:sp>
-        <p:nvSpPr>
-          <p:cNvPr id="4" name="Text Placeholder 3"/>
-          <p:cNvSpPr>
-            <a:spLocks noGrp="1"/>
-          </p:cNvSpPr>
-          <p:nvPr>
-            <p:ph type="body" sz="half" idx="2"/>
-          </p:nvPr>
-        </p:nvSpPr>
-        <p:spPr>
-          <a:xfrm>
-            <a:off x="457200" y="1435100"/>
-            <a:ext cx="3008313" cy="4691063"/>
-          </a:xfrm>
-        </p:spPr>
-        <p:txBody>
-          <a:bodyPr/>
-          <a:lstStyle>
-            <a:lvl1pPr marL="0" indent="0">
-              <a:buNone/>
-              <a:defRPr sz="1400"/>
-            </a:lvl1pPr>
-            <a:lvl2pPr marL="457200" indent="0">
-              <a:buNone/>
-              <a:defRPr sz="1200"/>
-            </a:lvl2pPr>
-            <a:lvl3pPr marL="914400" indent="0">
-              <a:buNone/>
-              <a:defRPr sz="1000"/>
-            </a:lvl3pPr>
-            <a:lvl4pPr marL="1371600" indent="0">
-              <a:buNone/>
-              <a:defRPr sz="900"/>
-            </a:lvl4pPr>
-            <a:lvl5pPr marL="1828800" indent="0">
-              <a:buNone/>
-              <a:defRPr sz="900"/>
-            </a:lvl5pPr>
-            <a:lvl6pPr marL="2286000" indent="0">
-              <a:buNone/>
-              <a:defRPr sz="900"/>
-            </a:lvl6pPr>
-            <a:lvl7pPr marL="2743200" indent="0">
-              <a:buNone/>
-              <a:defRPr sz="900"/>
-            </a:lvl7pPr>
-            <a:lvl8pPr marL="3200400" indent="0">
-              <a:buNone/>
-              <a:defRPr sz="900"/>
-            </a:lvl8pPr>
-            <a:lvl9pPr marL="3657600" indent="0">
-              <a:buNone/>
-              <a:defRPr sz="900"/>
-            </a:lvl9pPr>
-          </a:lstStyle>
-          <a:p>
-            <a:pPr lvl="0"/>
-            <a:r>
-              <a:rPr lang="en-US" smtClean="0"/>
-              <a:t>Click to edit Master text styles</a:t>
-            </a:r>
-          </a:p>
-        </p:txBody>
-      </p:sp>
-      <p:sp>
-        <p:nvSpPr>
-          <p:cNvPr id="5" name="Date Placeholder 4"/>
-          <p:cNvSpPr>
-            <a:spLocks noGrp="1"/>
-          </p:cNvSpPr>
-          <p:nvPr>
-            <p:ph type="dt" sz="half" idx="10"/>
-          </p:nvPr>
-        </p:nvSpPr>
-        <p:spPr/>
-        <p:txBody>
-          <a:bodyPr/>
-          <a:lstStyle/>
-          <a:p>
-            <a:fld id="{CC943549-583E-4BFF-BD42-571923BB5FB1}" type="datetime1">
-              <a:rPr lang="en-US" smtClean="0"/>
-              <a:t>10/11/2014</a:t>
-            </a:fld>
-            <a:endParaRPr lang="en-US"/>
-          </a:p>
-        </p:txBody>
-      </p:sp>
-      <p:sp>
-        <p:nvSpPr>
-          <p:cNvPr id="6" name="Footer Placeholder 5"/>
-          <p:cNvSpPr>
-            <a:spLocks noGrp="1"/>
-          </p:cNvSpPr>
-          <p:nvPr>
-            <p:ph type="ftr" sz="quarter" idx="11"/>
-          </p:nvPr>
-        </p:nvSpPr>
-        <p:spPr/>
-        <p:txBody>
-          <a:bodyPr/>
-          <a:lstStyle/>
-          <a:p>
-            <a:endParaRPr lang="en-US"/>
-          </a:p>
-        </p:txBody>
-      </p:sp>
-      <p:sp>
-        <p:nvSpPr>
-          <p:cNvPr id="7" name="Slide Number Placeholder 6"/>
-          <p:cNvSpPr>
-            <a:spLocks noGrp="1"/>
-          </p:cNvSpPr>
-          <p:nvPr>
-            <p:ph type="sldNum" sz="quarter" idx="12"/>
-          </p:nvPr>
-        </p:nvSpPr>
-        <p:spPr/>
-        <p:txBody>
-          <a:bodyPr/>
-          <a:lstStyle/>
-          <a:p>
-            <a:fld id="{4FF46DE1-096B-4EDD-A00F-DA0292705DA0}" type="slidenum">
-              <a:rPr lang="en-US" smtClean="0"/>
-              <a:t>‹#›</a:t>
-            </a:fld>
-            <a:endParaRPr lang="en-US"/>
-          </a:p>
-        </p:txBody>
-      </p:sp>
-    </p:spTree>
-    <p:extLst>
-      <p:ext uri="{BB962C8B-B14F-4D97-AF65-F5344CB8AC3E}">
-        <p14:creationId xmlns:p14="http://schemas.microsoft.com/office/powerpoint/2010/main" val="57597074"/>
-      </p:ext>
-    </p:extLst>
-  </p:cSld>
-  <p:clrMapOvr>
-    <a:masterClrMapping/>
-  </p:clrMapOvr>
+  <p:timing>
+    <p:tnLst>
+      <p:par>
+        <p:cTn id="1" dur="indefinite" restart="never" nodeType="tmRoot"/>
+      </p:par>
+    </p:tnLst>
+  </p:timing>
 </p:sldLayout>
 </file>
 
 <file path=ppt/slideMasters/slideMaster1.xml><?xml version="1.0" encoding="utf-8"?>
-<p:sldMaster xmlns:a="http://schemas.openxmlformats.org/drawingml/2006/main" xmlns:r="http://schemas.openxmlformats.org/officeDocument/2006/relationships" xmlns:p="http://schemas.openxmlformats.org/presentationml/2006/main">
+<p:sldMaster xmlns:a="http://schemas.openxmlformats.org/drawingml/2006/main" xmlns:r="http://schemas.openxmlformats.org/officeDocument/2006/relationships" xmlns:p="http://schemas.openxmlformats.org/presentationml/2006/main" preserve="1">
   <p:cSld>
     <p:bg>
       <p:bgRef idx="1001">
@@ -3454,6 +3974,18 @@
             <a:avLst/>
           </a:prstGeom>
         </p:spPr>
+        <p:style>
+          <a:lnRef idx="2">
+            <a:schemeClr val="accent1"/>
+          </a:lnRef>
+          <a:fillRef idx="1">
+            <a:schemeClr val="lt1"/>
+          </a:fillRef>
+          <a:effectRef idx="0">
+            <a:schemeClr val="accent1"/>
+          </a:effectRef>
+          <a:fontRef idx="none"/>
+        </p:style>
         <p:txBody>
           <a:bodyPr vert="horz" lIns="91440" tIns="45720" rIns="91440" bIns="45720" rtlCol="0" anchor="ctr">
             <a:normAutofit/>
@@ -3563,9 +4095,9 @@
             </a:lvl1pPr>
           </a:lstStyle>
           <a:p>
-            <a:fld id="{CC05D5C7-944D-4844-BAC6-1150168FE8FF}" type="datetime1">
-              <a:rPr lang="en-US" smtClean="0"/>
-              <a:t>10/11/2014</a:t>
+            <a:fld id="{02B3F677-983B-48DB-ADFD-63FE6CBC7FB2}" type="datetime1">
+              <a:rPr lang="en-US" smtClean="0"/>
+              <a:t>9/28/2015</a:t>
             </a:fld>
             <a:endParaRPr lang="en-US"/>
           </a:p>
@@ -3641,7 +4173,7 @@
             </a:lvl1pPr>
           </a:lstStyle>
           <a:p>
-            <a:fld id="{4FF46DE1-096B-4EDD-A00F-DA0292705DA0}" type="slidenum">
+            <a:fld id="{2AF3B5EA-18B6-4040-9F78-6052AF49C681}" type="slidenum">
               <a:rPr lang="en-US" smtClean="0"/>
               <a:t>‹#›</a:t>
             </a:fld>
@@ -3652,24 +4184,26 @@
     </p:spTree>
     <p:extLst>
       <p:ext uri="{BB962C8B-B14F-4D97-AF65-F5344CB8AC3E}">
-        <p14:creationId xmlns:p14="http://schemas.microsoft.com/office/powerpoint/2010/main" val="2717757222"/>
+        <p14:creationId xmlns:p14="http://schemas.microsoft.com/office/powerpoint/2010/main" val="3329872371"/>
       </p:ext>
     </p:extLst>
   </p:cSld>
   <p:clrMap bg1="lt1" tx1="dk1" bg2="lt2" tx2="dk2" accent1="accent1" accent2="accent2" accent3="accent3" accent4="accent4" accent5="accent5" accent6="accent6" hlink="hlink" folHlink="folHlink"/>
   <p:sldLayoutIdLst>
-    <p:sldLayoutId id="2147483649" r:id="rId1"/>
-    <p:sldLayoutId id="2147483650" r:id="rId2"/>
-    <p:sldLayoutId id="2147483660" r:id="rId3"/>
-    <p:sldLayoutId id="2147483651" r:id="rId4"/>
-    <p:sldLayoutId id="2147483652" r:id="rId5"/>
-    <p:sldLayoutId id="2147483653" r:id="rId6"/>
-    <p:sldLayoutId id="2147483654" r:id="rId7"/>
-    <p:sldLayoutId id="2147483655" r:id="rId8"/>
-    <p:sldLayoutId id="2147483656" r:id="rId9"/>
-    <p:sldLayoutId id="2147483657" r:id="rId10"/>
-    <p:sldLayoutId id="2147483658" r:id="rId11"/>
-    <p:sldLayoutId id="2147483659" r:id="rId12"/>
+    <p:sldLayoutId id="2147483662" r:id="rId1"/>
+    <p:sldLayoutId id="2147483663" r:id="rId2"/>
+    <p:sldLayoutId id="2147483664" r:id="rId3"/>
+    <p:sldLayoutId id="2147483665" r:id="rId4"/>
+    <p:sldLayoutId id="2147483666" r:id="rId5"/>
+    <p:sldLayoutId id="2147483667" r:id="rId6"/>
+    <p:sldLayoutId id="2147483668" r:id="rId7"/>
+    <p:sldLayoutId id="2147483669" r:id="rId8"/>
+    <p:sldLayoutId id="2147483670" r:id="rId9"/>
+    <p:sldLayoutId id="2147483671" r:id="rId10"/>
+    <p:sldLayoutId id="2147483672" r:id="rId11"/>
+    <p:sldLayoutId id="2147483673" r:id="rId12"/>
+    <p:sldLayoutId id="2147483674" r:id="rId13"/>
+    <p:sldLayoutId id="2147483675" r:id="rId14"/>
   </p:sldLayoutIdLst>
   <p:timing>
     <p:tnLst>
@@ -4010,6 +4544,29 @@
       </p:sp>
       <p:sp>
         <p:nvSpPr>
+          <p:cNvPr id="11" name="Slide Number Placeholder 10"/>
+          <p:cNvSpPr>
+            <a:spLocks noGrp="1"/>
+          </p:cNvSpPr>
+          <p:nvPr>
+            <p:ph type="sldNum" sz="quarter" idx="12"/>
+          </p:nvPr>
+        </p:nvSpPr>
+        <p:spPr/>
+        <p:txBody>
+          <a:bodyPr/>
+          <a:lstStyle/>
+          <a:p>
+            <a:fld id="{4FF46DE1-096B-4EDD-A00F-DA0292705DA0}" type="slidenum">
+              <a:rPr lang="en-US" smtClean="0"/>
+              <a:t>1</a:t>
+            </a:fld>
+            <a:endParaRPr lang="en-US"/>
+          </a:p>
+        </p:txBody>
+      </p:sp>
+      <p:sp>
+        <p:nvSpPr>
           <p:cNvPr id="4" name="TextBox 3"/>
           <p:cNvSpPr txBox="1"/>
           <p:nvPr>
@@ -4195,29 +4752,6 @@
           </p:txBody>
         </p:sp>
       </p:grpSp>
-      <p:sp>
-        <p:nvSpPr>
-          <p:cNvPr id="11" name="Slide Number Placeholder 10"/>
-          <p:cNvSpPr>
-            <a:spLocks noGrp="1"/>
-          </p:cNvSpPr>
-          <p:nvPr>
-            <p:ph type="sldNum" sz="quarter" idx="12"/>
-          </p:nvPr>
-        </p:nvSpPr>
-        <p:spPr/>
-        <p:txBody>
-          <a:bodyPr/>
-          <a:lstStyle/>
-          <a:p>
-            <a:fld id="{4FF46DE1-096B-4EDD-A00F-DA0292705DA0}" type="slidenum">
-              <a:rPr lang="en-US" smtClean="0"/>
-              <a:t>1</a:t>
-            </a:fld>
-            <a:endParaRPr lang="en-US"/>
-          </a:p>
-        </p:txBody>
-      </p:sp>
     </p:spTree>
     <p:extLst>
       <p:ext uri="{BB962C8B-B14F-4D97-AF65-F5344CB8AC3E}">
@@ -4915,6 +5449,29 @@
               <a:rPr lang="en-US" dirty="0"/>
               <a:t>)))]))</a:t>
             </a:r>
+          </a:p>
+        </p:txBody>
+      </p:sp>
+      <p:sp>
+        <p:nvSpPr>
+          <p:cNvPr id="3" name="Slide Number Placeholder 2"/>
+          <p:cNvSpPr>
+            <a:spLocks noGrp="1"/>
+          </p:cNvSpPr>
+          <p:nvPr>
+            <p:ph type="sldNum" sz="quarter" idx="12"/>
+          </p:nvPr>
+        </p:nvSpPr>
+        <p:spPr/>
+        <p:txBody>
+          <a:bodyPr/>
+          <a:lstStyle/>
+          <a:p>
+            <a:fld id="{4FF46DE1-096B-4EDD-A00F-DA0292705DA0}" type="slidenum">
+              <a:rPr lang="en-US" smtClean="0"/>
+              <a:t>13</a:t>
+            </a:fld>
+            <a:endParaRPr lang="en-US"/>
           </a:p>
         </p:txBody>
       </p:sp>
@@ -5066,29 +5623,6 @@
           </p:txBody>
         </p:sp>
       </p:grpSp>
-      <p:sp>
-        <p:nvSpPr>
-          <p:cNvPr id="3" name="Slide Number Placeholder 2"/>
-          <p:cNvSpPr>
-            <a:spLocks noGrp="1"/>
-          </p:cNvSpPr>
-          <p:nvPr>
-            <p:ph type="sldNum" sz="quarter" idx="12"/>
-          </p:nvPr>
-        </p:nvSpPr>
-        <p:spPr/>
-        <p:txBody>
-          <a:bodyPr/>
-          <a:lstStyle/>
-          <a:p>
-            <a:fld id="{4FF46DE1-096B-4EDD-A00F-DA0292705DA0}" type="slidenum">
-              <a:rPr lang="en-US" smtClean="0"/>
-              <a:t>13</a:t>
-            </a:fld>
-            <a:endParaRPr lang="en-US"/>
-          </a:p>
-        </p:txBody>
-      </p:sp>
     </p:spTree>
     <p:extLst>
       <p:ext uri="{BB962C8B-B14F-4D97-AF65-F5344CB8AC3E}">
@@ -5433,6 +5967,29 @@
       </p:sp>
       <p:sp>
         <p:nvSpPr>
+          <p:cNvPr id="5" name="Slide Number Placeholder 4"/>
+          <p:cNvSpPr>
+            <a:spLocks noGrp="1"/>
+          </p:cNvSpPr>
+          <p:nvPr>
+            <p:ph type="sldNum" sz="quarter" idx="12"/>
+          </p:nvPr>
+        </p:nvSpPr>
+        <p:spPr/>
+        <p:txBody>
+          <a:bodyPr/>
+          <a:lstStyle/>
+          <a:p>
+            <a:fld id="{4FF46DE1-096B-4EDD-A00F-DA0292705DA0}" type="slidenum">
+              <a:rPr lang="en-US" smtClean="0"/>
+              <a:t>14</a:t>
+            </a:fld>
+            <a:endParaRPr lang="en-US"/>
+          </a:p>
+        </p:txBody>
+      </p:sp>
+      <p:sp>
+        <p:nvSpPr>
           <p:cNvPr id="4" name="Rectangle 3"/>
           <p:cNvSpPr/>
           <p:nvPr/>
@@ -5478,29 +6035,6 @@
               <a:t>Doesn't give the right answer unless invariant is satisfied </a:t>
             </a:r>
             <a:endParaRPr lang="en-US" sz="2400" dirty="0"/>
-          </a:p>
-        </p:txBody>
-      </p:sp>
-      <p:sp>
-        <p:nvSpPr>
-          <p:cNvPr id="5" name="Slide Number Placeholder 4"/>
-          <p:cNvSpPr>
-            <a:spLocks noGrp="1"/>
-          </p:cNvSpPr>
-          <p:nvPr>
-            <p:ph type="sldNum" sz="quarter" idx="12"/>
-          </p:nvPr>
-        </p:nvSpPr>
-        <p:spPr/>
-        <p:txBody>
-          <a:bodyPr/>
-          <a:lstStyle/>
-          <a:p>
-            <a:fld id="{4FF46DE1-096B-4EDD-A00F-DA0292705DA0}" type="slidenum">
-              <a:rPr lang="en-US" smtClean="0"/>
-              <a:t>14</a:t>
-            </a:fld>
-            <a:endParaRPr lang="en-US"/>
           </a:p>
         </p:txBody>
       </p:sp>
@@ -6544,29 +7078,6 @@
       </p:grpSpPr>
       <p:sp>
         <p:nvSpPr>
-          <p:cNvPr id="2" name="Title 1"/>
-          <p:cNvSpPr>
-            <a:spLocks noGrp="1"/>
-          </p:cNvSpPr>
-          <p:nvPr>
-            <p:ph type="title"/>
-          </p:nvPr>
-        </p:nvSpPr>
-        <p:spPr/>
-        <p:txBody>
-          <a:bodyPr/>
-          <a:lstStyle/>
-          <a:p>
-            <a:r>
-              <a:rPr lang="en-US" dirty="0" smtClean="0"/>
-              <a:t>Example: </a:t>
-            </a:r>
-            <a:endParaRPr lang="en-US" dirty="0"/>
-          </a:p>
-        </p:txBody>
-      </p:sp>
-      <p:sp>
-        <p:nvSpPr>
           <p:cNvPr id="4" name="Content Placeholder 3"/>
           <p:cNvSpPr>
             <a:spLocks noGrp="1"/>
@@ -6595,13 +7106,21 @@
           </a:p>
           <a:p>
             <a:r>
-              <a:rPr lang="en-US" sz="2800" dirty="0" smtClean="0"/>
+              <a:rPr lang="en-US" sz="2800" dirty="0" smtClean="0">
+                <a:solidFill>
+                  <a:srgbClr val="FF0000"/>
+                </a:solidFill>
+              </a:rPr>
               <a:t>;; WHERE: the Ball is not going to</a:t>
             </a:r>
           </a:p>
           <a:p>
             <a:r>
-              <a:rPr lang="en-US" sz="2800" dirty="0" smtClean="0"/>
+              <a:rPr lang="en-US" sz="2800" dirty="0" smtClean="0">
+                <a:solidFill>
+                  <a:srgbClr val="FF0000"/>
+                </a:solidFill>
+              </a:rPr>
               <a:t>;; collide with a wall on this tick</a:t>
             </a:r>
           </a:p>
@@ -6704,6 +7223,52 @@
       </p:sp>
       <p:sp>
         <p:nvSpPr>
+          <p:cNvPr id="2" name="Title 1"/>
+          <p:cNvSpPr>
+            <a:spLocks noGrp="1"/>
+          </p:cNvSpPr>
+          <p:nvPr>
+            <p:ph type="title"/>
+          </p:nvPr>
+        </p:nvSpPr>
+        <p:spPr/>
+        <p:txBody>
+          <a:bodyPr/>
+          <a:lstStyle/>
+          <a:p>
+            <a:r>
+              <a:rPr lang="en-US" dirty="0" smtClean="0"/>
+              <a:t>Example: </a:t>
+            </a:r>
+            <a:endParaRPr lang="en-US" dirty="0"/>
+          </a:p>
+        </p:txBody>
+      </p:sp>
+      <p:sp>
+        <p:nvSpPr>
+          <p:cNvPr id="3" name="Slide Number Placeholder 2"/>
+          <p:cNvSpPr>
+            <a:spLocks noGrp="1"/>
+          </p:cNvSpPr>
+          <p:nvPr>
+            <p:ph type="sldNum" sz="quarter" idx="12"/>
+          </p:nvPr>
+        </p:nvSpPr>
+        <p:spPr/>
+        <p:txBody>
+          <a:bodyPr/>
+          <a:lstStyle/>
+          <a:p>
+            <a:fld id="{4FF46DE1-096B-4EDD-A00F-DA0292705DA0}" type="slidenum">
+              <a:rPr lang="en-US" smtClean="0"/>
+              <a:t>7</a:t>
+            </a:fld>
+            <a:endParaRPr lang="en-US"/>
+          </a:p>
+        </p:txBody>
+      </p:sp>
+      <p:sp>
+        <p:nvSpPr>
           <p:cNvPr id="6" name="Rectangle 5"/>
           <p:cNvSpPr/>
           <p:nvPr/>
@@ -6787,29 +7352,6 @@
               <a:rPr lang="en-US" sz="2400" dirty="0" smtClean="0"/>
               <a:t>Invariant provides the necessary information </a:t>
             </a:r>
-          </a:p>
-        </p:txBody>
-      </p:sp>
-      <p:sp>
-        <p:nvSpPr>
-          <p:cNvPr id="3" name="Slide Number Placeholder 2"/>
-          <p:cNvSpPr>
-            <a:spLocks noGrp="1"/>
-          </p:cNvSpPr>
-          <p:nvPr>
-            <p:ph type="sldNum" sz="quarter" idx="12"/>
-          </p:nvPr>
-        </p:nvSpPr>
-        <p:spPr/>
-        <p:txBody>
-          <a:bodyPr/>
-          <a:lstStyle/>
-          <a:p>
-            <a:fld id="{4FF46DE1-096B-4EDD-A00F-DA0292705DA0}" type="slidenum">
-              <a:rPr lang="en-US" smtClean="0"/>
-              <a:t>7</a:t>
-            </a:fld>
-            <a:endParaRPr lang="en-US"/>
           </a:p>
         </p:txBody>
       </p:sp>
@@ -7107,12 +7649,16 @@
               <a:t>;; number-list-from : </a:t>
             </a:r>
             <a:r>
-              <a:rPr lang="en-US" dirty="0" err="1"/>
-              <a:t>ListOf</a:t>
+              <a:rPr lang="en-US" dirty="0" err="1" smtClean="0"/>
+              <a:t>ListOfX</a:t>
+            </a:r>
+            <a:r>
+              <a:rPr lang="en-US" dirty="0" smtClean="0"/>
+              <a:t> </a:t>
             </a:r>
             <a:r>
               <a:rPr lang="en-US" dirty="0"/>
-              <a:t>&lt;X&gt; Number </a:t>
+              <a:t>Number </a:t>
             </a:r>
             <a:r>
               <a:rPr lang="en-US" dirty="0" smtClean="0"/>
@@ -7120,16 +7666,9 @@
             </a:r>
             <a:r>
               <a:rPr lang="en-US" dirty="0" err="1" smtClean="0"/>
-              <a:t>NumberedListOf</a:t>
-            </a:r>
-            <a:r>
-              <a:rPr lang="en-US" dirty="0" smtClean="0"/>
-              <a:t>&lt;X</a:t>
-            </a:r>
-            <a:r>
-              <a:rPr lang="en-US" dirty="0"/>
-              <a:t>&gt;</a:t>
-            </a:r>
+              <a:t>NumberedListOfX</a:t>
+            </a:r>
+            <a:endParaRPr lang="en-US" dirty="0"/>
           </a:p>
           <a:p>
             <a:r>
@@ -7186,24 +7725,24 @@
           <a:p>
             <a:r>
               <a:rPr lang="en-US" dirty="0" smtClean="0"/>
-              <a:t>;; STRATEGY: Structural Decomposition on </a:t>
+              <a:t>;; STRATEGY: </a:t>
+            </a:r>
+            <a:r>
+              <a:rPr lang="en-US" dirty="0" smtClean="0"/>
+              <a:t>Use template for </a:t>
+            </a:r>
+            <a:r>
+              <a:rPr lang="en-US" dirty="0" err="1" smtClean="0"/>
+              <a:t>ListOfX</a:t>
+            </a:r>
+            <a:r>
+              <a:rPr lang="en-US" dirty="0" smtClean="0"/>
+              <a:t> on </a:t>
             </a:r>
             <a:r>
               <a:rPr lang="en-US" dirty="0" err="1" smtClean="0"/>
               <a:t>lst</a:t>
             </a:r>
-            <a:r>
-              <a:rPr lang="en-US" dirty="0" smtClean="0"/>
-              <a:t> : </a:t>
-            </a:r>
-            <a:r>
-              <a:rPr lang="en-US" dirty="0" err="1" smtClean="0"/>
-              <a:t>ListOf</a:t>
-            </a:r>
-            <a:r>
-              <a:rPr lang="en-US" dirty="0" smtClean="0"/>
-              <a:t>&lt;X&gt;</a:t>
-            </a:r>
             <a:endParaRPr lang="en-US" dirty="0"/>
           </a:p>
           <a:p>
@@ -7299,6 +7838,29 @@
           </a:p>
           <a:p>
             <a:endParaRPr lang="en-US" dirty="0"/>
+          </a:p>
+        </p:txBody>
+      </p:sp>
+      <p:sp>
+        <p:nvSpPr>
+          <p:cNvPr id="5" name="Slide Number Placeholder 4"/>
+          <p:cNvSpPr>
+            <a:spLocks noGrp="1"/>
+          </p:cNvSpPr>
+          <p:nvPr>
+            <p:ph type="sldNum" sz="quarter" idx="12"/>
+          </p:nvPr>
+        </p:nvSpPr>
+        <p:spPr/>
+        <p:txBody>
+          <a:bodyPr/>
+          <a:lstStyle/>
+          <a:p>
+            <a:fld id="{4FF46DE1-096B-4EDD-A00F-DA0292705DA0}" type="slidenum">
+              <a:rPr lang="en-US" smtClean="0"/>
+              <a:t>8</a:t>
+            </a:fld>
+            <a:endParaRPr lang="en-US"/>
           </a:p>
         </p:txBody>
       </p:sp>
@@ -7349,29 +7911,6 @@
               <a:t> and n, so no invariant necessary. </a:t>
             </a:r>
             <a:endParaRPr lang="en-US" sz="2400" dirty="0"/>
-          </a:p>
-        </p:txBody>
-      </p:sp>
-      <p:sp>
-        <p:nvSpPr>
-          <p:cNvPr id="5" name="Slide Number Placeholder 4"/>
-          <p:cNvSpPr>
-            <a:spLocks noGrp="1"/>
-          </p:cNvSpPr>
-          <p:nvPr>
-            <p:ph type="sldNum" sz="quarter" idx="12"/>
-          </p:nvPr>
-        </p:nvSpPr>
-        <p:spPr/>
-        <p:txBody>
-          <a:bodyPr/>
-          <a:lstStyle/>
-          <a:p>
-            <a:fld id="{4FF46DE1-096B-4EDD-A00F-DA0292705DA0}" type="slidenum">
-              <a:rPr lang="en-US" smtClean="0"/>
-              <a:t>8</a:t>
-            </a:fld>
-            <a:endParaRPr lang="en-US"/>
           </a:p>
         </p:txBody>
       </p:sp>
@@ -7485,6 +8024,31 @@
       </p:grpSpPr>
       <p:sp>
         <p:nvSpPr>
+          <p:cNvPr id="6" name="Title 5"/>
+          <p:cNvSpPr>
+            <a:spLocks noGrp="1"/>
+          </p:cNvSpPr>
+          <p:nvPr>
+            <p:ph type="title"/>
+          </p:nvPr>
+        </p:nvSpPr>
+        <p:spPr/>
+        <p:txBody>
+          <a:bodyPr>
+            <a:normAutofit fontScale="90000"/>
+          </a:bodyPr>
+          <a:lstStyle/>
+          <a:p>
+            <a:r>
+              <a:rPr lang="en-US" dirty="0" smtClean="0"/>
+              <a:t>Example: Same Code, different purpose statement</a:t>
+            </a:r>
+            <a:endParaRPr lang="en-US" dirty="0"/>
+          </a:p>
+        </p:txBody>
+      </p:sp>
+      <p:sp>
+        <p:nvSpPr>
           <p:cNvPr id="7" name="Content Placeholder 6"/>
           <p:cNvSpPr>
             <a:spLocks noGrp="1"/>
@@ -7536,36 +8100,33 @@
                 <a:latin typeface="Consolas" pitchFamily="49" charset="0"/>
                 <a:cs typeface="Consolas" pitchFamily="49" charset="0"/>
               </a:rPr>
-              <a:t>ListOf</a:t>
+              <a:t>ListOfX</a:t>
             </a:r>
             <a:r>
               <a:rPr lang="en-US" b="1" dirty="0" smtClean="0">
                 <a:latin typeface="Consolas" pitchFamily="49" charset="0"/>
                 <a:cs typeface="Consolas" pitchFamily="49" charset="0"/>
               </a:rPr>
-              <a:t>&lt;X</a:t>
+              <a:t> </a:t>
             </a:r>
             <a:r>
               <a:rPr lang="en-US" b="1" dirty="0">
                 <a:latin typeface="Consolas" pitchFamily="49" charset="0"/>
                 <a:cs typeface="Consolas" pitchFamily="49" charset="0"/>
               </a:rPr>
-              <a:t>&gt; Number -&gt; </a:t>
+              <a:t>Number -&gt; </a:t>
             </a:r>
             <a:r>
               <a:rPr lang="en-US" b="1" dirty="0" err="1" smtClean="0">
                 <a:latin typeface="Consolas" pitchFamily="49" charset="0"/>
                 <a:cs typeface="Consolas" pitchFamily="49" charset="0"/>
               </a:rPr>
-              <a:t>NumberedListOf</a:t>
-            </a:r>
-            <a:r>
-              <a:rPr lang="en-US" b="1" dirty="0" smtClean="0">
-                <a:latin typeface="Consolas" pitchFamily="49" charset="0"/>
-                <a:cs typeface="Consolas" pitchFamily="49" charset="0"/>
-              </a:rPr>
-              <a:t>&lt;X&gt;</a:t>
-            </a:r>
+              <a:t>NumberedListOfX</a:t>
+            </a:r>
+            <a:endParaRPr lang="en-US" b="1" dirty="0" smtClean="0">
+              <a:latin typeface="Consolas" pitchFamily="49" charset="0"/>
+              <a:cs typeface="Consolas" pitchFamily="49" charset="0"/>
+            </a:endParaRPr>
           </a:p>
           <a:p>
             <a:pPr>
@@ -7736,21 +8297,28 @@
                 <a:latin typeface="Consolas" pitchFamily="49" charset="0"/>
                 <a:cs typeface="Consolas" pitchFamily="49" charset="0"/>
               </a:rPr>
-              <a:t>;; STRATEGY: struct </a:t>
+              <a:t>;; STRATEGY: </a:t>
+            </a:r>
+            <a:r>
+              <a:rPr lang="en-US" b="1" dirty="0" smtClean="0">
+                <a:latin typeface="Consolas" pitchFamily="49" charset="0"/>
+                <a:cs typeface="Consolas" pitchFamily="49" charset="0"/>
+              </a:rPr>
+              <a:t>Use template for </a:t>
             </a:r>
             <a:r>
               <a:rPr lang="en-US" b="1" dirty="0" err="1" smtClean="0">
                 <a:latin typeface="Consolas" pitchFamily="49" charset="0"/>
                 <a:cs typeface="Consolas" pitchFamily="49" charset="0"/>
               </a:rPr>
-              <a:t>decomp</a:t>
+              <a:t>ListOfX</a:t>
             </a:r>
             <a:r>
               <a:rPr lang="en-US" b="1" dirty="0" smtClean="0">
                 <a:latin typeface="Consolas" pitchFamily="49" charset="0"/>
                 <a:cs typeface="Consolas" pitchFamily="49" charset="0"/>
               </a:rPr>
-              <a:t>  on </a:t>
+              <a:t> on </a:t>
             </a:r>
             <a:r>
               <a:rPr lang="en-US" b="1" dirty="0" err="1" smtClean="0">
@@ -7759,27 +8327,10 @@
               </a:rPr>
               <a:t>slst</a:t>
             </a:r>
-            <a:r>
-              <a:rPr lang="en-US" b="1" dirty="0" smtClean="0">
-                <a:latin typeface="Consolas" pitchFamily="49" charset="0"/>
-                <a:cs typeface="Consolas" pitchFamily="49" charset="0"/>
-              </a:rPr>
-              <a:t> : </a:t>
-            </a:r>
-            <a:r>
-              <a:rPr lang="en-US" b="1" dirty="0" err="1" smtClean="0">
-                <a:latin typeface="Consolas" pitchFamily="49" charset="0"/>
-                <a:cs typeface="Consolas" pitchFamily="49" charset="0"/>
-              </a:rPr>
-              <a:t>ListOf</a:t>
-            </a:r>
-            <a:r>
-              <a:rPr lang="en-US" b="1" dirty="0" smtClean="0">
-                <a:latin typeface="Consolas" pitchFamily="49" charset="0"/>
-                <a:cs typeface="Consolas" pitchFamily="49" charset="0"/>
-              </a:rPr>
-              <a:t>&lt;X&gt;</a:t>
-            </a:r>
+            <a:endParaRPr lang="en-US" b="1" dirty="0" smtClean="0">
+              <a:latin typeface="Consolas" pitchFamily="49" charset="0"/>
+              <a:cs typeface="Consolas" pitchFamily="49" charset="0"/>
+            </a:endParaRPr>
           </a:p>
           <a:p>
             <a:pPr>
@@ -7973,26 +8524,24 @@
       </p:sp>
       <p:sp>
         <p:nvSpPr>
-          <p:cNvPr id="6" name="Title 5"/>
-          <p:cNvSpPr>
-            <a:spLocks noGrp="1"/>
-          </p:cNvSpPr>
-          <p:nvPr>
-            <p:ph type="title"/>
-          </p:nvPr>
-        </p:nvSpPr>
-        <p:spPr/>
-        <p:txBody>
-          <a:bodyPr>
-            <a:normAutofit fontScale="90000"/>
-          </a:bodyPr>
-          <a:lstStyle/>
-          <a:p>
-            <a:r>
-              <a:rPr lang="en-US" dirty="0" smtClean="0"/>
-              <a:t>Example: Same Code, different purpose statement</a:t>
-            </a:r>
-            <a:endParaRPr lang="en-US" dirty="0"/>
+          <p:cNvPr id="2" name="Slide Number Placeholder 1"/>
+          <p:cNvSpPr>
+            <a:spLocks noGrp="1"/>
+          </p:cNvSpPr>
+          <p:nvPr>
+            <p:ph type="sldNum" sz="quarter" idx="12"/>
+          </p:nvPr>
+        </p:nvSpPr>
+        <p:spPr/>
+        <p:txBody>
+          <a:bodyPr/>
+          <a:lstStyle/>
+          <a:p>
+            <a:fld id="{4FF46DE1-096B-4EDD-A00F-DA0292705DA0}" type="slidenum">
+              <a:rPr lang="en-US" smtClean="0"/>
+              <a:t>9</a:t>
+            </a:fld>
+            <a:endParaRPr lang="en-US"/>
           </a:p>
         </p:txBody>
       </p:sp>
@@ -8143,29 +8692,6 @@
           <a:lstStyle/>
           <a:p>
             <a:pPr algn="ctr"/>
-            <a:endParaRPr lang="en-US"/>
-          </a:p>
-        </p:txBody>
-      </p:sp>
-      <p:sp>
-        <p:nvSpPr>
-          <p:cNvPr id="2" name="Slide Number Placeholder 1"/>
-          <p:cNvSpPr>
-            <a:spLocks noGrp="1"/>
-          </p:cNvSpPr>
-          <p:nvPr>
-            <p:ph type="sldNum" sz="quarter" idx="12"/>
-          </p:nvPr>
-        </p:nvSpPr>
-        <p:spPr/>
-        <p:txBody>
-          <a:bodyPr/>
-          <a:lstStyle/>
-          <a:p>
-            <a:fld id="{4FF46DE1-096B-4EDD-A00F-DA0292705DA0}" type="slidenum">
-              <a:rPr lang="en-US" smtClean="0"/>
-              <a:t>9</a:t>
-            </a:fld>
             <a:endParaRPr lang="en-US"/>
           </a:p>
         </p:txBody>
@@ -8356,7 +8882,7 @@
 </file>
 
 <file path=ppt/theme/theme1.xml><?xml version="1.0" encoding="utf-8"?>
-<a:theme xmlns:a="http://schemas.openxmlformats.org/drawingml/2006/main" name="Office Theme">
+<a:theme xmlns:a="http://schemas.openxmlformats.org/drawingml/2006/main" name="1_Office Theme">
   <a:themeElements>
     <a:clrScheme name="Office">
       <a:dk1>
@@ -8637,22 +9163,39 @@
   </a:themeElements>
   <a:objectDefaults>
     <a:spDef>
-      <a:spPr/>
-      <a:bodyPr rtlCol="0" anchor="ctr"/>
+      <a:spPr>
+        <a:solidFill>
+          <a:schemeClr val="accent3">
+            <a:lumMod val="40000"/>
+            <a:lumOff val="60000"/>
+          </a:schemeClr>
+        </a:solidFill>
+        <a:ln/>
+      </a:spPr>
+      <a:bodyPr rot="0" spcFirstLastPara="0" vertOverflow="overflow" horzOverflow="overflow" vert="horz" wrap="square" lIns="91440" tIns="45720" rIns="91440" bIns="45720" numCol="1" spcCol="0" rtlCol="0" fromWordArt="0" anchor="ctr" anchorCtr="0" forceAA="0" compatLnSpc="1">
+        <a:prstTxWarp prst="textNoShape">
+          <a:avLst/>
+        </a:prstTxWarp>
+        <a:noAutofit/>
+      </a:bodyPr>
       <a:lstStyle>
-        <a:defPPr algn="ctr">
-          <a:defRPr sz="2400" dirty="0" smtClean="0"/>
+        <a:defPPr>
+          <a:defRPr dirty="0">
+            <a:solidFill>
+              <a:schemeClr val="tx1"/>
+            </a:solidFill>
+          </a:defRPr>
         </a:defPPr>
       </a:lstStyle>
       <a:style>
-        <a:lnRef idx="1">
-          <a:schemeClr val="accent3"/>
+        <a:lnRef idx="2">
+          <a:schemeClr val="accent1"/>
         </a:lnRef>
-        <a:fillRef idx="2">
-          <a:schemeClr val="accent3"/>
+        <a:fillRef idx="1">
+          <a:schemeClr val="lt1"/>
         </a:fillRef>
-        <a:effectRef idx="1">
-          <a:schemeClr val="accent3"/>
+        <a:effectRef idx="0">
+          <a:schemeClr val="accent1"/>
         </a:effectRef>
         <a:fontRef idx="minor">
           <a:schemeClr val="dk1"/>

--- a/Slides/Lesson 7.4 When do I need an invariant.pptx
+++ b/Slides/Lesson 7.4 When do I need an invariant.pptx
@@ -5,31 +5,30 @@
     <p:sldMasterId id="2147483661" r:id="rId1"/>
   </p:sldMasterIdLst>
   <p:notesMasterIdLst>
-    <p:notesMasterId r:id="rId19"/>
+    <p:notesMasterId r:id="rId18"/>
   </p:notesMasterIdLst>
   <p:sldIdLst>
     <p:sldId id="257" r:id="rId2"/>
     <p:sldId id="266" r:id="rId3"/>
     <p:sldId id="271" r:id="rId4"/>
     <p:sldId id="269" r:id="rId5"/>
-    <p:sldId id="272" r:id="rId6"/>
-    <p:sldId id="273" r:id="rId7"/>
-    <p:sldId id="260" r:id="rId8"/>
-    <p:sldId id="261" r:id="rId9"/>
-    <p:sldId id="262" r:id="rId10"/>
-    <p:sldId id="267" r:id="rId11"/>
-    <p:sldId id="268" r:id="rId12"/>
-    <p:sldId id="270" r:id="rId13"/>
-    <p:sldId id="263" r:id="rId14"/>
-    <p:sldId id="264" r:id="rId15"/>
-    <p:sldId id="265" r:id="rId16"/>
-    <p:sldId id="274" r:id="rId17"/>
-    <p:sldId id="275" r:id="rId18"/>
+    <p:sldId id="273" r:id="rId6"/>
+    <p:sldId id="260" r:id="rId7"/>
+    <p:sldId id="261" r:id="rId8"/>
+    <p:sldId id="262" r:id="rId9"/>
+    <p:sldId id="267" r:id="rId10"/>
+    <p:sldId id="268" r:id="rId11"/>
+    <p:sldId id="270" r:id="rId12"/>
+    <p:sldId id="263" r:id="rId13"/>
+    <p:sldId id="264" r:id="rId14"/>
+    <p:sldId id="265" r:id="rId15"/>
+    <p:sldId id="274" r:id="rId16"/>
+    <p:sldId id="275" r:id="rId17"/>
   </p:sldIdLst>
   <p:sldSz cx="9144000" cy="6858000" type="screen4x3"/>
   <p:notesSz cx="6858000" cy="9144000"/>
   <p:custDataLst>
-    <p:tags r:id="rId20"/>
+    <p:tags r:id="rId19"/>
   </p:custDataLst>
   <p:defaultTextStyle>
     <a:defPPr>
@@ -227,7 +226,7 @@
           <a:p>
             <a:fld id="{7CCEC190-264F-4177-B826-2198B6EDA822}" type="datetimeFigureOut">
               <a:rPr lang="en-US" smtClean="0"/>
-              <a:t>9/28/2015</a:t>
+              <a:t>10/25/2015</a:t>
             </a:fld>
             <a:endParaRPr lang="en-US"/>
           </a:p>
@@ -734,7 +733,7 @@
           <a:p>
             <a:fld id="{A28484B4-7F93-45CD-84A0-E7476B171D3B}" type="slidenum">
               <a:rPr lang="en-US" smtClean="0"/>
-              <a:t>15</a:t>
+              <a:t>14</a:t>
             </a:fld>
             <a:endParaRPr lang="en-US"/>
           </a:p>
@@ -934,7 +933,7 @@
           <a:p>
             <a:fld id="{2F1F79F5-7BEC-496A-AFC7-876E38F64D71}" type="datetime1">
               <a:rPr lang="en-US" smtClean="0"/>
-              <a:t>9/28/2015</a:t>
+              <a:t>10/25/2015</a:t>
             </a:fld>
             <a:endParaRPr lang="en-US"/>
           </a:p>
@@ -1036,7 +1035,7 @@
           <a:p>
             <a:fld id="{0A05703A-7669-4FEA-9056-25299B4D29D4}" type="datetime1">
               <a:rPr lang="en-US" smtClean="0"/>
-              <a:t>9/28/2015</a:t>
+              <a:t>10/25/2015</a:t>
             </a:fld>
             <a:endParaRPr lang="en-US"/>
           </a:p>
@@ -1313,7 +1312,7 @@
           <a:p>
             <a:fld id="{6E5077B5-BB57-49DB-88CA-226A139E5C01}" type="datetime1">
               <a:rPr lang="en-US" smtClean="0"/>
-              <a:t>9/28/2015</a:t>
+              <a:t>10/25/2015</a:t>
             </a:fld>
             <a:endParaRPr lang="en-US"/>
           </a:p>
@@ -1566,7 +1565,7 @@
           <a:p>
             <a:fld id="{C48D9447-CBD6-49A1-89FD-8512A8CF8999}" type="datetime1">
               <a:rPr lang="en-US" smtClean="0"/>
-              <a:t>9/28/2015</a:t>
+              <a:t>10/25/2015</a:t>
             </a:fld>
             <a:endParaRPr lang="en-US"/>
           </a:p>
@@ -1736,7 +1735,7 @@
           <a:p>
             <a:fld id="{A3639A2A-823D-48B7-9ACE-7FAF42870BA9}" type="datetime1">
               <a:rPr lang="en-US" smtClean="0"/>
-              <a:t>9/28/2015</a:t>
+              <a:t>10/25/2015</a:t>
             </a:fld>
             <a:endParaRPr lang="en-US"/>
           </a:p>
@@ -1916,7 +1915,7 @@
           <a:p>
             <a:fld id="{ED1B6996-82E9-463C-972C-7B56056E426C}" type="datetime1">
               <a:rPr lang="en-US" smtClean="0"/>
-              <a:t>9/28/2015</a:t>
+              <a:t>10/25/2015</a:t>
             </a:fld>
             <a:endParaRPr lang="en-US"/>
           </a:p>
@@ -2099,7 +2098,7 @@
           <a:p>
             <a:fld id="{E22ED4DA-448D-4BB1-B935-CC112220207B}" type="datetime1">
               <a:rPr lang="en-US" smtClean="0"/>
-              <a:t>9/28/2015</a:t>
+              <a:t>10/25/2015</a:t>
             </a:fld>
             <a:endParaRPr lang="en-US"/>
           </a:p>
@@ -2281,7 +2280,7 @@
           <a:p>
             <a:fld id="{E22ED4DA-448D-4BB1-B935-CC112220207B}" type="datetime1">
               <a:rPr lang="en-US" smtClean="0"/>
-              <a:t>9/28/2015</a:t>
+              <a:t>10/25/2015</a:t>
             </a:fld>
             <a:endParaRPr lang="en-US"/>
           </a:p>
@@ -2550,7 +2549,7 @@
           <a:p>
             <a:fld id="{FF5D65A6-AB94-4435-B0B7-3743215FA46C}" type="datetime1">
               <a:rPr lang="en-US" smtClean="0"/>
-              <a:t>9/28/2015</a:t>
+              <a:t>10/25/2015</a:t>
             </a:fld>
             <a:endParaRPr lang="en-US"/>
           </a:p>
@@ -2735,7 +2734,7 @@
           <a:p>
             <a:fld id="{FF5D65A6-AB94-4435-B0B7-3743215FA46C}" type="datetime1">
               <a:rPr lang="en-US" smtClean="0"/>
-              <a:t>9/28/2015</a:t>
+              <a:t>10/25/2015</a:t>
             </a:fld>
             <a:endParaRPr lang="en-US"/>
           </a:p>
@@ -3037,7 +3036,7 @@
           <a:p>
             <a:fld id="{7C193DC4-6EF0-48C9-B29C-616106A645E1}" type="datetime1">
               <a:rPr lang="en-US" smtClean="0"/>
-              <a:t>9/28/2015</a:t>
+              <a:t>10/25/2015</a:t>
             </a:fld>
             <a:endParaRPr lang="en-US"/>
           </a:p>
@@ -3325,7 +3324,7 @@
           <a:p>
             <a:fld id="{5D1846AD-9252-4647-9435-4C2AC365653A}" type="datetime1">
               <a:rPr lang="en-US" smtClean="0"/>
-              <a:t>9/28/2015</a:t>
+              <a:t>10/25/2015</a:t>
             </a:fld>
             <a:endParaRPr lang="en-US"/>
           </a:p>
@@ -3747,7 +3746,7 @@
           <a:p>
             <a:fld id="{CE56DC10-3561-4063-A6AF-C1CC7A41040A}" type="datetime1">
               <a:rPr lang="en-US" smtClean="0"/>
-              <a:t>9/28/2015</a:t>
+              <a:t>10/25/2015</a:t>
             </a:fld>
             <a:endParaRPr lang="en-US"/>
           </a:p>
@@ -3865,7 +3864,7 @@
           <a:p>
             <a:fld id="{2F7B77F5-1464-4F6B-92A8-64FC8A508293}" type="datetime1">
               <a:rPr lang="en-US" smtClean="0"/>
-              <a:t>9/28/2015</a:t>
+              <a:t>10/25/2015</a:t>
             </a:fld>
             <a:endParaRPr lang="en-US"/>
           </a:p>
@@ -4097,7 +4096,7 @@
           <a:p>
             <a:fld id="{02B3F677-983B-48DB-ADFD-63FE6CBC7FB2}" type="datetime1">
               <a:rPr lang="en-US" smtClean="0"/>
-              <a:t>9/28/2015</a:t>
+              <a:t>10/25/2015</a:t>
             </a:fld>
             <a:endParaRPr lang="en-US"/>
           </a:p>
@@ -4808,7 +4807,7 @@
           <a:p>
             <a:r>
               <a:rPr lang="en-US" dirty="0" smtClean="0"/>
-              <a:t>Wait, weren't those functions very similar?</a:t>
+              <a:t>Once more: When do I need an invariant?</a:t>
             </a:r>
             <a:endParaRPr lang="en-US" dirty="0"/>
           </a:p>
@@ -4830,15 +4829,31 @@
           <a:lstStyle/>
           <a:p>
             <a:r>
+              <a:rPr lang="en-US" dirty="0"/>
+              <a:t>If </a:t>
+            </a:r>
+            <a:r>
               <a:rPr lang="en-US" dirty="0" smtClean="0"/>
-              <a:t>Yes.  In fact they were identical (except for their names).</a:t>
-            </a:r>
-          </a:p>
-          <a:p>
+              <a:t>your code fulfills </a:t>
+            </a:r>
+            <a:r>
+              <a:rPr lang="en-US" dirty="0"/>
+              <a:t>the purpose statement for any arguments of the </a:t>
+            </a:r>
             <a:r>
               <a:rPr lang="en-US" dirty="0" smtClean="0"/>
-              <a:t>The moral of the story is that it is the purpose statement that determines whether you need an invariant.</a:t>
-            </a:r>
+              <a:t>types listed in the contract, you don't need an invariant.</a:t>
+            </a:r>
+          </a:p>
+          <a:p>
+            <a:r>
+              <a:rPr lang="en-US" dirty="0" smtClean="0"/>
+              <a:t>If the function only works for certain values or combinations of values of the arguments, then you must document the assumptions that it needs with a WHERE-clause (i.e. an invariant).</a:t>
+            </a:r>
+            <a:endParaRPr lang="en-US" dirty="0"/>
+          </a:p>
+          <a:p>
+            <a:endParaRPr lang="en-US" dirty="0"/>
           </a:p>
         </p:txBody>
       </p:sp>
@@ -4868,7 +4883,7 @@
     </p:spTree>
     <p:extLst>
       <p:ext uri="{BB962C8B-B14F-4D97-AF65-F5344CB8AC3E}">
-        <p14:creationId xmlns:p14="http://schemas.microsoft.com/office/powerpoint/2010/main" val="3866762002"/>
+        <p14:creationId xmlns:p14="http://schemas.microsoft.com/office/powerpoint/2010/main" val="2189872519"/>
       </p:ext>
     </p:extLst>
   </p:cSld>
@@ -4921,7 +4936,7 @@
           <a:p>
             <a:r>
               <a:rPr lang="en-US" dirty="0" smtClean="0"/>
-              <a:t>Once more: When do I need an invariant?</a:t>
+              <a:t>What needs to be in my purpose statement?</a:t>
             </a:r>
             <a:endParaRPr lang="en-US" dirty="0"/>
           </a:p>
@@ -4939,35 +4954,98 @@
         </p:nvSpPr>
         <p:spPr/>
         <p:txBody>
-          <a:bodyPr/>
-          <a:lstStyle/>
-          <a:p>
-            <a:r>
-              <a:rPr lang="en-US" dirty="0"/>
-              <a:t>If </a:t>
-            </a:r>
-            <a:r>
-              <a:rPr lang="en-US" dirty="0" smtClean="0"/>
-              <a:t>your code fulfills </a:t>
-            </a:r>
-            <a:r>
-              <a:rPr lang="en-US" dirty="0"/>
-              <a:t>the purpose statement for any arguments of the </a:t>
-            </a:r>
-            <a:r>
-              <a:rPr lang="en-US" dirty="0" smtClean="0"/>
-              <a:t>types listed in the contract, you don't need an invariant.</a:t>
-            </a:r>
-          </a:p>
-          <a:p>
-            <a:r>
-              <a:rPr lang="en-US" dirty="0" smtClean="0"/>
-              <a:t>If the function only works for certain values or combinations of values of the arguments, then you must document the assumptions that it needs with a WHERE-clause (i.e. an invariant).</a:t>
-            </a:r>
-            <a:endParaRPr lang="en-US" dirty="0"/>
-          </a:p>
-          <a:p>
-            <a:endParaRPr lang="en-US" dirty="0"/>
+          <a:bodyPr>
+            <a:noAutofit/>
+          </a:bodyPr>
+          <a:lstStyle/>
+          <a:p>
+            <a:r>
+              <a:rPr lang="en-US" sz="2400" dirty="0" smtClean="0"/>
+              <a:t>The </a:t>
+            </a:r>
+            <a:r>
+              <a:rPr lang="en-US" sz="2400" dirty="0"/>
+              <a:t>purpose statement must account for </a:t>
+            </a:r>
+            <a:r>
+              <a:rPr lang="en-US" sz="2400" dirty="0" smtClean="0"/>
+              <a:t>all the </a:t>
+            </a:r>
+            <a:r>
+              <a:rPr lang="en-US" sz="2400" dirty="0"/>
+              <a:t>parameters</a:t>
+            </a:r>
+            <a:r>
+              <a:rPr lang="en-US" sz="2400" dirty="0" smtClean="0"/>
+              <a:t>.</a:t>
+            </a:r>
+          </a:p>
+          <a:p>
+            <a:pPr lvl="1"/>
+            <a:r>
+              <a:rPr lang="en-US" sz="2000" dirty="0" smtClean="0"/>
+              <a:t>if it doesn't then either you are passing more parameters than you need, or there's something going on that you haven't described.</a:t>
+            </a:r>
+          </a:p>
+          <a:p>
+            <a:r>
+              <a:rPr lang="en-US" sz="2400" dirty="0"/>
+              <a:t>The RETURNS clause must describe the value returned by the </a:t>
+            </a:r>
+            <a:r>
+              <a:rPr lang="en-US" sz="2400" dirty="0" smtClean="0"/>
+              <a:t>function for </a:t>
+            </a:r>
+            <a:r>
+              <a:rPr lang="en-US" sz="2400" dirty="0"/>
+              <a:t>all possible values of the parameters</a:t>
+            </a:r>
+            <a:r>
+              <a:rPr lang="en-US" sz="2400" dirty="0" smtClean="0"/>
+              <a:t>.</a:t>
+            </a:r>
+            <a:endParaRPr lang="en-US" sz="2400" dirty="0"/>
+          </a:p>
+          <a:p>
+            <a:r>
+              <a:rPr lang="en-US" sz="2400" dirty="0"/>
+              <a:t>If the RETURNS clause describes the value returned by the </a:t>
+            </a:r>
+            <a:r>
+              <a:rPr lang="en-US" sz="2400" dirty="0" smtClean="0"/>
+              <a:t>function only </a:t>
+            </a:r>
+            <a:r>
+              <a:rPr lang="en-US" sz="2400" dirty="0"/>
+              <a:t>for some </a:t>
+            </a:r>
+            <a:r>
+              <a:rPr lang="en-US" sz="2400" dirty="0" smtClean="0"/>
+              <a:t>values of the arguments or some combination </a:t>
+            </a:r>
+            <a:r>
+              <a:rPr lang="en-US" sz="2400" dirty="0"/>
+              <a:t>of arguments, then that restriction must </a:t>
+            </a:r>
+            <a:r>
+              <a:rPr lang="en-US" sz="2400" dirty="0" smtClean="0"/>
+              <a:t>be stated </a:t>
+            </a:r>
+            <a:r>
+              <a:rPr lang="en-US" sz="2400" dirty="0"/>
+              <a:t>in a WHERE clause</a:t>
+            </a:r>
+            <a:r>
+              <a:rPr lang="en-US" sz="2400" dirty="0" smtClean="0"/>
+              <a:t>.</a:t>
+            </a:r>
+          </a:p>
+          <a:p>
+            <a:r>
+              <a:rPr lang="en-US" sz="2400" dirty="0" smtClean="0"/>
+              <a:t>It becomes the responsibility of the caller to guarantee that the restriction is satisfied.</a:t>
+            </a:r>
+            <a:endParaRPr lang="en-US" sz="2400" dirty="0"/>
           </a:p>
         </p:txBody>
       </p:sp>
@@ -4997,7 +5075,7 @@
     </p:spTree>
     <p:extLst>
       <p:ext uri="{BB962C8B-B14F-4D97-AF65-F5344CB8AC3E}">
-        <p14:creationId xmlns:p14="http://schemas.microsoft.com/office/powerpoint/2010/main" val="2189872519"/>
+        <p14:creationId xmlns:p14="http://schemas.microsoft.com/office/powerpoint/2010/main" val="1327706209"/>
       </p:ext>
     </p:extLst>
   </p:cSld>
@@ -5043,198 +5121,6 @@
         </p:nvSpPr>
         <p:spPr/>
         <p:txBody>
-          <a:bodyPr>
-            <a:normAutofit fontScale="90000"/>
-          </a:bodyPr>
-          <a:lstStyle/>
-          <a:p>
-            <a:r>
-              <a:rPr lang="en-US" dirty="0" smtClean="0"/>
-              <a:t>What needs to be in my purpose statement?</a:t>
-            </a:r>
-            <a:endParaRPr lang="en-US" dirty="0"/>
-          </a:p>
-        </p:txBody>
-      </p:sp>
-      <p:sp>
-        <p:nvSpPr>
-          <p:cNvPr id="3" name="Content Placeholder 2"/>
-          <p:cNvSpPr>
-            <a:spLocks noGrp="1"/>
-          </p:cNvSpPr>
-          <p:nvPr>
-            <p:ph idx="1"/>
-          </p:nvPr>
-        </p:nvSpPr>
-        <p:spPr/>
-        <p:txBody>
-          <a:bodyPr>
-            <a:noAutofit/>
-          </a:bodyPr>
-          <a:lstStyle/>
-          <a:p>
-            <a:r>
-              <a:rPr lang="en-US" sz="2400" dirty="0" smtClean="0"/>
-              <a:t>The </a:t>
-            </a:r>
-            <a:r>
-              <a:rPr lang="en-US" sz="2400" dirty="0"/>
-              <a:t>purpose statement must account for </a:t>
-            </a:r>
-            <a:r>
-              <a:rPr lang="en-US" sz="2400" dirty="0" smtClean="0"/>
-              <a:t>all the </a:t>
-            </a:r>
-            <a:r>
-              <a:rPr lang="en-US" sz="2400" dirty="0"/>
-              <a:t>parameters</a:t>
-            </a:r>
-            <a:r>
-              <a:rPr lang="en-US" sz="2400" dirty="0" smtClean="0"/>
-              <a:t>.</a:t>
-            </a:r>
-          </a:p>
-          <a:p>
-            <a:pPr lvl="1"/>
-            <a:r>
-              <a:rPr lang="en-US" sz="2000" dirty="0" smtClean="0"/>
-              <a:t>if it doesn't then either you are passing more parameters than you need, or there's something going on that you haven't described.</a:t>
-            </a:r>
-          </a:p>
-          <a:p>
-            <a:r>
-              <a:rPr lang="en-US" sz="2400" dirty="0"/>
-              <a:t>The RETURNS clause must describe the value returned by the </a:t>
-            </a:r>
-            <a:r>
-              <a:rPr lang="en-US" sz="2400" dirty="0" smtClean="0"/>
-              <a:t>function for </a:t>
-            </a:r>
-            <a:r>
-              <a:rPr lang="en-US" sz="2400" dirty="0"/>
-              <a:t>all possible values of the parameters</a:t>
-            </a:r>
-            <a:r>
-              <a:rPr lang="en-US" sz="2400" dirty="0" smtClean="0"/>
-              <a:t>.</a:t>
-            </a:r>
-            <a:endParaRPr lang="en-US" sz="2400" dirty="0"/>
-          </a:p>
-          <a:p>
-            <a:r>
-              <a:rPr lang="en-US" sz="2400" dirty="0"/>
-              <a:t>If the RETURNS clause describes the value returned by the </a:t>
-            </a:r>
-            <a:r>
-              <a:rPr lang="en-US" sz="2400" dirty="0" smtClean="0"/>
-              <a:t>function only </a:t>
-            </a:r>
-            <a:r>
-              <a:rPr lang="en-US" sz="2400" dirty="0"/>
-              <a:t>for some </a:t>
-            </a:r>
-            <a:r>
-              <a:rPr lang="en-US" sz="2400" dirty="0" smtClean="0"/>
-              <a:t>values of the arguments or some combination </a:t>
-            </a:r>
-            <a:r>
-              <a:rPr lang="en-US" sz="2400" dirty="0"/>
-              <a:t>of arguments, then that restriction must </a:t>
-            </a:r>
-            <a:r>
-              <a:rPr lang="en-US" sz="2400" dirty="0" smtClean="0"/>
-              <a:t>be stated </a:t>
-            </a:r>
-            <a:r>
-              <a:rPr lang="en-US" sz="2400" dirty="0"/>
-              <a:t>in a WHERE clause</a:t>
-            </a:r>
-            <a:r>
-              <a:rPr lang="en-US" sz="2400" dirty="0" smtClean="0"/>
-              <a:t>.</a:t>
-            </a:r>
-          </a:p>
-          <a:p>
-            <a:r>
-              <a:rPr lang="en-US" sz="2400" dirty="0" smtClean="0"/>
-              <a:t>It becomes the responsibility of the caller to guarantee that the restriction is satisfied.</a:t>
-            </a:r>
-            <a:endParaRPr lang="en-US" sz="2400" dirty="0"/>
-          </a:p>
-        </p:txBody>
-      </p:sp>
-      <p:sp>
-        <p:nvSpPr>
-          <p:cNvPr id="4" name="Slide Number Placeholder 3"/>
-          <p:cNvSpPr>
-            <a:spLocks noGrp="1"/>
-          </p:cNvSpPr>
-          <p:nvPr>
-            <p:ph type="sldNum" sz="quarter" idx="12"/>
-          </p:nvPr>
-        </p:nvSpPr>
-        <p:spPr/>
-        <p:txBody>
-          <a:bodyPr/>
-          <a:lstStyle/>
-          <a:p>
-            <a:fld id="{4FF46DE1-096B-4EDD-A00F-DA0292705DA0}" type="slidenum">
-              <a:rPr lang="en-US" smtClean="0"/>
-              <a:t>12</a:t>
-            </a:fld>
-            <a:endParaRPr lang="en-US"/>
-          </a:p>
-        </p:txBody>
-      </p:sp>
-    </p:spTree>
-    <p:extLst>
-      <p:ext uri="{BB962C8B-B14F-4D97-AF65-F5344CB8AC3E}">
-        <p14:creationId xmlns:p14="http://schemas.microsoft.com/office/powerpoint/2010/main" val="1327706209"/>
-      </p:ext>
-    </p:extLst>
-  </p:cSld>
-  <p:clrMapOvr>
-    <a:masterClrMapping/>
-  </p:clrMapOvr>
-  <p:timing>
-    <p:tnLst>
-      <p:par>
-        <p:cTn id="1" dur="indefinite" restart="never" nodeType="tmRoot"/>
-      </p:par>
-    </p:tnLst>
-  </p:timing>
-</p:sld>
-</file>
-
-<file path=ppt/slides/slide13.xml><?xml version="1.0" encoding="utf-8"?>
-<p:sld xmlns:a="http://schemas.openxmlformats.org/drawingml/2006/main" xmlns:r="http://schemas.openxmlformats.org/officeDocument/2006/relationships" xmlns:p="http://schemas.openxmlformats.org/presentationml/2006/main">
-  <p:cSld>
-    <p:spTree>
-      <p:nvGrpSpPr>
-        <p:cNvPr id="1" name=""/>
-        <p:cNvGrpSpPr/>
-        <p:nvPr/>
-      </p:nvGrpSpPr>
-      <p:grpSpPr>
-        <a:xfrm>
-          <a:off x="0" y="0"/>
-          <a:ext cx="0" cy="0"/>
-          <a:chOff x="0" y="0"/>
-          <a:chExt cx="0" cy="0"/>
-        </a:xfrm>
-      </p:grpSpPr>
-      <p:sp>
-        <p:nvSpPr>
-          <p:cNvPr id="2" name="Title 1"/>
-          <p:cNvSpPr>
-            <a:spLocks noGrp="1"/>
-          </p:cNvSpPr>
-          <p:nvPr>
-            <p:ph type="title"/>
-          </p:nvPr>
-        </p:nvSpPr>
-        <p:spPr/>
-        <p:txBody>
           <a:bodyPr/>
           <a:lstStyle/>
           <a:p>
@@ -5469,7 +5355,7 @@
           <a:p>
             <a:fld id="{4FF46DE1-096B-4EDD-A00F-DA0292705DA0}" type="slidenum">
               <a:rPr lang="en-US" smtClean="0"/>
-              <a:t>13</a:t>
+              <a:t>12</a:t>
             </a:fld>
             <a:endParaRPr lang="en-US"/>
           </a:p>
@@ -5711,7 +5597,7 @@
 </p:sld>
 </file>
 
-<file path=ppt/slides/slide14.xml><?xml version="1.0" encoding="utf-8"?>
+<file path=ppt/slides/slide13.xml><?xml version="1.0" encoding="utf-8"?>
 <p:sld xmlns:a="http://schemas.openxmlformats.org/drawingml/2006/main" xmlns:r="http://schemas.openxmlformats.org/officeDocument/2006/relationships" xmlns:p="http://schemas.openxmlformats.org/presentationml/2006/main">
   <p:cSld>
     <p:spTree>
@@ -5982,7 +5868,7 @@
           <a:p>
             <a:fld id="{4FF46DE1-096B-4EDD-A00F-DA0292705DA0}" type="slidenum">
               <a:rPr lang="en-US" smtClean="0"/>
-              <a:t>14</a:t>
+              <a:t>13</a:t>
             </a:fld>
             <a:endParaRPr lang="en-US"/>
           </a:p>
@@ -6042,6 +5928,128 @@
     <p:extLst>
       <p:ext uri="{BB962C8B-B14F-4D97-AF65-F5344CB8AC3E}">
         <p14:creationId xmlns:p14="http://schemas.microsoft.com/office/powerpoint/2010/main" val="1875083326"/>
+      </p:ext>
+    </p:extLst>
+  </p:cSld>
+  <p:clrMapOvr>
+    <a:masterClrMapping/>
+  </p:clrMapOvr>
+  <p:timing>
+    <p:tnLst>
+      <p:par>
+        <p:cTn id="1" dur="indefinite" restart="never" nodeType="tmRoot"/>
+      </p:par>
+    </p:tnLst>
+  </p:timing>
+</p:sld>
+</file>
+
+<file path=ppt/slides/slide14.xml><?xml version="1.0" encoding="utf-8"?>
+<p:sld xmlns:a="http://schemas.openxmlformats.org/drawingml/2006/main" xmlns:r="http://schemas.openxmlformats.org/officeDocument/2006/relationships" xmlns:p="http://schemas.openxmlformats.org/presentationml/2006/main">
+  <p:cSld>
+    <p:spTree>
+      <p:nvGrpSpPr>
+        <p:cNvPr id="1" name=""/>
+        <p:cNvGrpSpPr/>
+        <p:nvPr/>
+      </p:nvGrpSpPr>
+      <p:grpSpPr>
+        <a:xfrm>
+          <a:off x="0" y="0"/>
+          <a:ext cx="0" cy="0"/>
+          <a:chOff x="0" y="0"/>
+          <a:chExt cx="0" cy="0"/>
+        </a:xfrm>
+      </p:grpSpPr>
+      <p:sp>
+        <p:nvSpPr>
+          <p:cNvPr id="2" name="Title 1"/>
+          <p:cNvSpPr>
+            <a:spLocks noGrp="1"/>
+          </p:cNvSpPr>
+          <p:nvPr>
+            <p:ph type="title"/>
+          </p:nvPr>
+        </p:nvSpPr>
+        <p:spPr/>
+        <p:txBody>
+          <a:bodyPr>
+            <a:normAutofit fontScale="90000"/>
+          </a:bodyPr>
+          <a:lstStyle/>
+          <a:p>
+            <a:r>
+              <a:rPr lang="en-US" dirty="0" smtClean="0"/>
+              <a:t>Summary: When do I need an invariant? </a:t>
+            </a:r>
+            <a:endParaRPr lang="en-US" dirty="0"/>
+          </a:p>
+        </p:txBody>
+      </p:sp>
+      <p:sp>
+        <p:nvSpPr>
+          <p:cNvPr id="3" name="Content Placeholder 2"/>
+          <p:cNvSpPr>
+            <a:spLocks noGrp="1"/>
+          </p:cNvSpPr>
+          <p:nvPr>
+            <p:ph idx="1"/>
+          </p:nvPr>
+        </p:nvSpPr>
+        <p:spPr/>
+        <p:txBody>
+          <a:bodyPr/>
+          <a:lstStyle/>
+          <a:p>
+            <a:r>
+              <a:rPr lang="en-US" dirty="0" smtClean="0"/>
+              <a:t>It all depends on your purpose statement!</a:t>
+            </a:r>
+          </a:p>
+          <a:p>
+            <a:r>
+              <a:rPr lang="en-US" dirty="0" smtClean="0"/>
+              <a:t>If the function needs additional information that is not in the arguments, then you need an invariant to document the needed information</a:t>
+            </a:r>
+          </a:p>
+          <a:p>
+            <a:r>
+              <a:rPr lang="en-US" dirty="0" smtClean="0"/>
+              <a:t>It is up to each caller of the function to make sure that the invariant is true at every call.</a:t>
+            </a:r>
+          </a:p>
+          <a:p>
+            <a:endParaRPr lang="en-US" dirty="0"/>
+          </a:p>
+        </p:txBody>
+      </p:sp>
+      <p:sp>
+        <p:nvSpPr>
+          <p:cNvPr id="4" name="Slide Number Placeholder 3"/>
+          <p:cNvSpPr>
+            <a:spLocks noGrp="1"/>
+          </p:cNvSpPr>
+          <p:nvPr>
+            <p:ph type="sldNum" sz="quarter" idx="12"/>
+          </p:nvPr>
+        </p:nvSpPr>
+        <p:spPr/>
+        <p:txBody>
+          <a:bodyPr/>
+          <a:lstStyle/>
+          <a:p>
+            <a:fld id="{4FF46DE1-096B-4EDD-A00F-DA0292705DA0}" type="slidenum">
+              <a:rPr lang="en-US" smtClean="0"/>
+              <a:t>14</a:t>
+            </a:fld>
+            <a:endParaRPr lang="en-US"/>
+          </a:p>
+        </p:txBody>
+      </p:sp>
+    </p:spTree>
+    <p:extLst>
+      <p:ext uri="{BB962C8B-B14F-4D97-AF65-F5344CB8AC3E}">
+        <p14:creationId xmlns:p14="http://schemas.microsoft.com/office/powerpoint/2010/main" val="2810350204"/>
       </p:ext>
     </p:extLst>
   </p:cSld>
@@ -6087,14 +6095,12 @@
         </p:nvSpPr>
         <p:spPr/>
         <p:txBody>
-          <a:bodyPr>
-            <a:normAutofit fontScale="90000"/>
-          </a:bodyPr>
+          <a:bodyPr/>
           <a:lstStyle/>
           <a:p>
             <a:r>
               <a:rPr lang="en-US" dirty="0" smtClean="0"/>
-              <a:t>Summary: When do I need an invariant? </a:t>
+              <a:t>Summary</a:t>
             </a:r>
             <a:endParaRPr lang="en-US" dirty="0"/>
           </a:p>
@@ -6117,19 +6123,26 @@
           <a:p>
             <a:r>
               <a:rPr lang="en-US" dirty="0" smtClean="0"/>
-              <a:t>It all depends on your purpose statement!</a:t>
-            </a:r>
-          </a:p>
-          <a:p>
+              <a:t>The </a:t>
+            </a:r>
+            <a:r>
+              <a:rPr lang="en-US" dirty="0"/>
+              <a:t>student should </a:t>
+            </a:r>
             <a:r>
               <a:rPr lang="en-US" dirty="0" smtClean="0"/>
-              <a:t>If the function needs additional information that is not in the arguments, then you need an invariant to document the needed information</a:t>
-            </a:r>
-          </a:p>
-          <a:p>
-            <a:r>
-              <a:rPr lang="en-US" dirty="0" smtClean="0"/>
-              <a:t>It is up to each caller of the function to make sure that the invariant is true at every call.</a:t>
+              <a:t>now be </a:t>
+            </a:r>
+            <a:r>
+              <a:rPr lang="en-US" dirty="0"/>
+              <a:t>able to</a:t>
+            </a:r>
+          </a:p>
+          <a:p>
+            <a:pPr lvl="1"/>
+            <a:r>
+              <a:rPr lang="en-US" dirty="0"/>
+              <a:t>decide whether a purpose statement needs an invariant or not.</a:t>
             </a:r>
           </a:p>
           <a:p>
@@ -6163,7 +6176,7 @@
     </p:spTree>
     <p:extLst>
       <p:ext uri="{BB962C8B-B14F-4D97-AF65-F5344CB8AC3E}">
-        <p14:creationId xmlns:p14="http://schemas.microsoft.com/office/powerpoint/2010/main" val="2810350204"/>
+        <p14:creationId xmlns:p14="http://schemas.microsoft.com/office/powerpoint/2010/main" val="1310055986"/>
       </p:ext>
     </p:extLst>
   </p:cSld>
@@ -6214,133 +6227,6 @@
           <a:p>
             <a:r>
               <a:rPr lang="en-US" dirty="0" smtClean="0"/>
-              <a:t>Summary</a:t>
-            </a:r>
-            <a:endParaRPr lang="en-US" dirty="0"/>
-          </a:p>
-        </p:txBody>
-      </p:sp>
-      <p:sp>
-        <p:nvSpPr>
-          <p:cNvPr id="3" name="Content Placeholder 2"/>
-          <p:cNvSpPr>
-            <a:spLocks noGrp="1"/>
-          </p:cNvSpPr>
-          <p:nvPr>
-            <p:ph idx="1"/>
-          </p:nvPr>
-        </p:nvSpPr>
-        <p:spPr/>
-        <p:txBody>
-          <a:bodyPr/>
-          <a:lstStyle/>
-          <a:p>
-            <a:r>
-              <a:rPr lang="en-US" dirty="0" smtClean="0"/>
-              <a:t>The </a:t>
-            </a:r>
-            <a:r>
-              <a:rPr lang="en-US" dirty="0"/>
-              <a:t>student should </a:t>
-            </a:r>
-            <a:r>
-              <a:rPr lang="en-US" dirty="0" smtClean="0"/>
-              <a:t>now be </a:t>
-            </a:r>
-            <a:r>
-              <a:rPr lang="en-US" dirty="0"/>
-              <a:t>able to</a:t>
-            </a:r>
-          </a:p>
-          <a:p>
-            <a:pPr lvl="1"/>
-            <a:r>
-              <a:rPr lang="en-US" dirty="0"/>
-              <a:t>decide whether a purpose statement needs an invariant or not.</a:t>
-            </a:r>
-          </a:p>
-          <a:p>
-            <a:endParaRPr lang="en-US" dirty="0"/>
-          </a:p>
-        </p:txBody>
-      </p:sp>
-      <p:sp>
-        <p:nvSpPr>
-          <p:cNvPr id="4" name="Slide Number Placeholder 3"/>
-          <p:cNvSpPr>
-            <a:spLocks noGrp="1"/>
-          </p:cNvSpPr>
-          <p:nvPr>
-            <p:ph type="sldNum" sz="quarter" idx="12"/>
-          </p:nvPr>
-        </p:nvSpPr>
-        <p:spPr/>
-        <p:txBody>
-          <a:bodyPr/>
-          <a:lstStyle/>
-          <a:p>
-            <a:fld id="{4FF46DE1-096B-4EDD-A00F-DA0292705DA0}" type="slidenum">
-              <a:rPr lang="en-US" smtClean="0"/>
-              <a:t>16</a:t>
-            </a:fld>
-            <a:endParaRPr lang="en-US"/>
-          </a:p>
-        </p:txBody>
-      </p:sp>
-    </p:spTree>
-    <p:extLst>
-      <p:ext uri="{BB962C8B-B14F-4D97-AF65-F5344CB8AC3E}">
-        <p14:creationId xmlns:p14="http://schemas.microsoft.com/office/powerpoint/2010/main" val="1310055986"/>
-      </p:ext>
-    </p:extLst>
-  </p:cSld>
-  <p:clrMapOvr>
-    <a:masterClrMapping/>
-  </p:clrMapOvr>
-  <p:timing>
-    <p:tnLst>
-      <p:par>
-        <p:cTn id="1" dur="indefinite" restart="never" nodeType="tmRoot"/>
-      </p:par>
-    </p:tnLst>
-  </p:timing>
-</p:sld>
-</file>
-
-<file path=ppt/slides/slide17.xml><?xml version="1.0" encoding="utf-8"?>
-<p:sld xmlns:a="http://schemas.openxmlformats.org/drawingml/2006/main" xmlns:r="http://schemas.openxmlformats.org/officeDocument/2006/relationships" xmlns:p="http://schemas.openxmlformats.org/presentationml/2006/main">
-  <p:cSld>
-    <p:spTree>
-      <p:nvGrpSpPr>
-        <p:cNvPr id="1" name=""/>
-        <p:cNvGrpSpPr/>
-        <p:nvPr/>
-      </p:nvGrpSpPr>
-      <p:grpSpPr>
-        <a:xfrm>
-          <a:off x="0" y="0"/>
-          <a:ext cx="0" cy="0"/>
-          <a:chOff x="0" y="0"/>
-          <a:chExt cx="0" cy="0"/>
-        </a:xfrm>
-      </p:grpSpPr>
-      <p:sp>
-        <p:nvSpPr>
-          <p:cNvPr id="2" name="Title 1"/>
-          <p:cNvSpPr>
-            <a:spLocks noGrp="1"/>
-          </p:cNvSpPr>
-          <p:nvPr>
-            <p:ph type="title"/>
-          </p:nvPr>
-        </p:nvSpPr>
-        <p:spPr/>
-        <p:txBody>
-          <a:bodyPr/>
-          <a:lstStyle/>
-          <a:p>
-            <a:r>
-              <a:rPr lang="en-US" dirty="0" smtClean="0"/>
               <a:t>Next Steps</a:t>
             </a:r>
             <a:endParaRPr lang="en-US" dirty="0"/>
@@ -6393,7 +6279,7 @@
           <a:p>
             <a:fld id="{4FF46DE1-096B-4EDD-A00F-DA0292705DA0}" type="slidenum">
               <a:rPr lang="en-US" smtClean="0"/>
-              <a:t>17</a:t>
+              <a:t>16</a:t>
             </a:fld>
             <a:endParaRPr lang="en-US"/>
           </a:p>
@@ -6584,7 +6470,9 @@
         </p:nvSpPr>
         <p:spPr/>
         <p:txBody>
-          <a:bodyPr/>
+          <a:bodyPr>
+            <a:normAutofit lnSpcReduction="10000"/>
+          </a:bodyPr>
           <a:lstStyle/>
           <a:p>
             <a:r>
@@ -6609,7 +6497,15 @@
           <a:p>
             <a:r>
               <a:rPr lang="en-US" dirty="0" smtClean="0"/>
-              <a:t>If the function only works for certain values or combinations of values of the arguments, then you must document that restriction with a WHERE-clause.</a:t>
+              <a:t>If the function </a:t>
+            </a:r>
+            <a:r>
+              <a:rPr lang="en-US" dirty="0" smtClean="0"/>
+              <a:t>fulfills its purpose statement only for </a:t>
+            </a:r>
+            <a:r>
+              <a:rPr lang="en-US" dirty="0" smtClean="0"/>
+              <a:t>certain values or combinations of values of the arguments, then you must document that restriction with a WHERE-clause.</a:t>
             </a:r>
             <a:endParaRPr lang="en-US" dirty="0"/>
           </a:p>
@@ -6697,7 +6593,23 @@
           <a:p>
             <a:r>
               <a:rPr lang="en-US" dirty="0" smtClean="0"/>
-              <a:t>What kind of things belong an invariant?</a:t>
+              <a:t>What kind of </a:t>
+            </a:r>
+            <a:r>
+              <a:rPr lang="en-US" dirty="0" smtClean="0"/>
+              <a:t>thing </a:t>
+            </a:r>
+            <a:r>
+              <a:rPr lang="en-US" dirty="0" smtClean="0"/>
+              <a:t>belong </a:t>
+            </a:r>
+            <a:r>
+              <a:rPr lang="en-US" dirty="0" smtClean="0"/>
+              <a:t>in an </a:t>
+            </a:r>
+            <a:r>
+              <a:rPr lang="en-US" dirty="0" smtClean="0"/>
+              <a:t>invariant?</a:t>
             </a:r>
             <a:endParaRPr lang="en-US" dirty="0"/>
           </a:p>
@@ -6716,45 +6628,45 @@
         <p:spPr/>
         <p:txBody>
           <a:bodyPr>
-            <a:normAutofit fontScale="92500" lnSpcReduction="10000"/>
+            <a:normAutofit/>
           </a:bodyPr>
           <a:lstStyle/>
           <a:p>
             <a:r>
               <a:rPr lang="en-US" dirty="0" smtClean="0"/>
-              <a:t>It all depends on your purpose statement!</a:t>
-            </a:r>
-          </a:p>
-          <a:p>
+              <a:t>If </a:t>
+            </a:r>
             <a:r>
               <a:rPr lang="en-US" dirty="0" smtClean="0"/>
-              <a:t>If the function needs additional information that is not in the arguments, then you need an invariant to document the needed information</a:t>
-            </a:r>
-          </a:p>
-          <a:p>
-            <a:r>
-              <a:rPr lang="en-US" dirty="0" smtClean="0"/>
+              <a:t>the function needs additional information that is not in the arguments, then you need an invariant to document the needed information</a:t>
+            </a:r>
+          </a:p>
+          <a:p>
+            <a:r>
+              <a:rPr lang="en-US" dirty="0"/>
               <a:t>What kind of information might you want?</a:t>
             </a:r>
           </a:p>
           <a:p>
             <a:pPr lvl="1"/>
             <a:r>
-              <a:rPr lang="en-US" dirty="0" smtClean="0"/>
-              <a:t>context information (e.g. we are position n in the list)</a:t>
+              <a:rPr lang="en-US" dirty="0"/>
+              <a:t>context information (e.g. we are position </a:t>
+            </a:r>
+            <a:r>
+              <a:rPr lang="en-US" b="1" dirty="0"/>
+              <a:t>n</a:t>
+            </a:r>
+            <a:r>
+              <a:rPr lang="en-US" dirty="0"/>
+              <a:t> in the list)</a:t>
             </a:r>
           </a:p>
           <a:p>
             <a:pPr lvl="1"/>
             <a:r>
-              <a:rPr lang="en-US" dirty="0" smtClean="0"/>
+              <a:rPr lang="en-US" dirty="0"/>
               <a:t>other knowledge that isn't expressed in the contract (e.g. we've figured out the ball isn't going to bounce).</a:t>
-            </a:r>
-          </a:p>
-          <a:p>
-            <a:r>
-              <a:rPr lang="en-US" dirty="0" smtClean="0"/>
-              <a:t>It is up to each caller of the function to make sure that the invariant is true at every call.</a:t>
             </a:r>
           </a:p>
           <a:p>
@@ -6861,37 +6773,30 @@
           <a:lstStyle/>
           <a:p>
             <a:r>
+              <a:rPr lang="en-US" dirty="0" smtClean="0"/>
+              <a:t>The invariant, along with the contract, sets down the assumptions that each function makes about the arguments that it processes</a:t>
+            </a:r>
+          </a:p>
+          <a:p>
+            <a:r>
+              <a:rPr lang="en-US" dirty="0" smtClean="0"/>
+              <a:t>It </a:t>
+            </a:r>
+            <a:r>
               <a:rPr lang="en-US" dirty="0"/>
-              <a:t>What kind of information might you want?</a:t>
-            </a:r>
-          </a:p>
-          <a:p>
-            <a:pPr lvl="1"/>
-            <a:r>
-              <a:rPr lang="en-US" dirty="0"/>
-              <a:t>context information (e.g. we are position </a:t>
-            </a:r>
-            <a:r>
-              <a:rPr lang="en-US" b="1" dirty="0"/>
-              <a:t>n</a:t>
-            </a:r>
-            <a:r>
-              <a:rPr lang="en-US" dirty="0"/>
-              <a:t> in the list)</a:t>
-            </a:r>
-          </a:p>
-          <a:p>
-            <a:pPr lvl="1"/>
-            <a:r>
-              <a:rPr lang="en-US" dirty="0"/>
-              <a:t>other knowledge that isn't expressed in the contract (e.g. we've figured out the ball isn't going to bounce).</a:t>
-            </a:r>
-          </a:p>
-          <a:p>
-            <a:r>
-              <a:rPr lang="en-US" dirty="0"/>
-              <a:t>It is up to each caller of the function to make sure that the invariant is true at every call.</a:t>
-            </a:r>
+              <a:t>is up to each caller of the function to make sure that the invariant is true at every call</a:t>
+            </a:r>
+            <a:r>
+              <a:rPr lang="en-US" dirty="0" smtClean="0"/>
+              <a:t>.</a:t>
+            </a:r>
+          </a:p>
+          <a:p>
+            <a:r>
+              <a:rPr lang="en-US" dirty="0" smtClean="0"/>
+              <a:t>The function gets to assume that the invariant is true.</a:t>
+            </a:r>
+            <a:endParaRPr lang="en-US" dirty="0"/>
           </a:p>
           <a:p>
             <a:endParaRPr lang="en-US" dirty="0"/>
@@ -6924,7 +6829,7 @@
     </p:spTree>
     <p:extLst>
       <p:ext uri="{BB962C8B-B14F-4D97-AF65-F5344CB8AC3E}">
-        <p14:creationId xmlns:p14="http://schemas.microsoft.com/office/powerpoint/2010/main" val="761639282"/>
+        <p14:creationId xmlns:p14="http://schemas.microsoft.com/office/powerpoint/2010/main" val="1723915499"/>
       </p:ext>
     </p:extLst>
   </p:cSld>
@@ -6960,124 +6865,6 @@
       </p:grpSpPr>
       <p:sp>
         <p:nvSpPr>
-          <p:cNvPr id="2" name="Title 1"/>
-          <p:cNvSpPr>
-            <a:spLocks noGrp="1"/>
-          </p:cNvSpPr>
-          <p:nvPr>
-            <p:ph type="title"/>
-          </p:nvPr>
-        </p:nvSpPr>
-        <p:spPr/>
-        <p:txBody>
-          <a:bodyPr/>
-          <a:lstStyle/>
-          <a:p>
-            <a:r>
-              <a:rPr lang="en-US" dirty="0" smtClean="0"/>
-              <a:t>Whose responsibility is it?</a:t>
-            </a:r>
-            <a:endParaRPr lang="en-US" dirty="0"/>
-          </a:p>
-        </p:txBody>
-      </p:sp>
-      <p:sp>
-        <p:nvSpPr>
-          <p:cNvPr id="3" name="Content Placeholder 2"/>
-          <p:cNvSpPr>
-            <a:spLocks noGrp="1"/>
-          </p:cNvSpPr>
-          <p:nvPr>
-            <p:ph idx="1"/>
-          </p:nvPr>
-        </p:nvSpPr>
-        <p:spPr/>
-        <p:txBody>
-          <a:bodyPr/>
-          <a:lstStyle/>
-          <a:p>
-            <a:r>
-              <a:rPr lang="en-US" dirty="0" smtClean="0"/>
-              <a:t>The invariant, along with the contract, sets down the assumptions that each function makes about the arguments that it processes</a:t>
-            </a:r>
-          </a:p>
-          <a:p>
-            <a:r>
-              <a:rPr lang="en-US" dirty="0" smtClean="0"/>
-              <a:t>It </a:t>
-            </a:r>
-            <a:r>
-              <a:rPr lang="en-US" dirty="0"/>
-              <a:t>is up to each caller of the function to make sure that the invariant is true at every call.</a:t>
-            </a:r>
-          </a:p>
-          <a:p>
-            <a:endParaRPr lang="en-US" dirty="0"/>
-          </a:p>
-        </p:txBody>
-      </p:sp>
-      <p:sp>
-        <p:nvSpPr>
-          <p:cNvPr id="4" name="Slide Number Placeholder 3"/>
-          <p:cNvSpPr>
-            <a:spLocks noGrp="1"/>
-          </p:cNvSpPr>
-          <p:nvPr>
-            <p:ph type="sldNum" sz="quarter" idx="12"/>
-          </p:nvPr>
-        </p:nvSpPr>
-        <p:spPr/>
-        <p:txBody>
-          <a:bodyPr/>
-          <a:lstStyle/>
-          <a:p>
-            <a:fld id="{4FF46DE1-096B-4EDD-A00F-DA0292705DA0}" type="slidenum">
-              <a:rPr lang="en-US" smtClean="0"/>
-              <a:t>6</a:t>
-            </a:fld>
-            <a:endParaRPr lang="en-US"/>
-          </a:p>
-        </p:txBody>
-      </p:sp>
-    </p:spTree>
-    <p:extLst>
-      <p:ext uri="{BB962C8B-B14F-4D97-AF65-F5344CB8AC3E}">
-        <p14:creationId xmlns:p14="http://schemas.microsoft.com/office/powerpoint/2010/main" val="1723915499"/>
-      </p:ext>
-    </p:extLst>
-  </p:cSld>
-  <p:clrMapOvr>
-    <a:masterClrMapping/>
-  </p:clrMapOvr>
-  <p:timing>
-    <p:tnLst>
-      <p:par>
-        <p:cTn id="1" dur="indefinite" restart="never" nodeType="tmRoot"/>
-      </p:par>
-    </p:tnLst>
-  </p:timing>
-</p:sld>
-</file>
-
-<file path=ppt/slides/slide7.xml><?xml version="1.0" encoding="utf-8"?>
-<p:sld xmlns:a="http://schemas.openxmlformats.org/drawingml/2006/main" xmlns:r="http://schemas.openxmlformats.org/officeDocument/2006/relationships" xmlns:p="http://schemas.openxmlformats.org/presentationml/2006/main">
-  <p:cSld>
-    <p:spTree>
-      <p:nvGrpSpPr>
-        <p:cNvPr id="1" name=""/>
-        <p:cNvGrpSpPr/>
-        <p:nvPr/>
-      </p:nvGrpSpPr>
-      <p:grpSpPr>
-        <a:xfrm>
-          <a:off x="0" y="0"/>
-          <a:ext cx="0" cy="0"/>
-          <a:chOff x="0" y="0"/>
-          <a:chExt cx="0" cy="0"/>
-        </a:xfrm>
-      </p:grpSpPr>
-      <p:sp>
-        <p:nvSpPr>
           <p:cNvPr id="4" name="Content Placeholder 3"/>
           <p:cNvSpPr>
             <a:spLocks noGrp="1"/>
@@ -7261,7 +7048,7 @@
           <a:p>
             <a:fld id="{4FF46DE1-096B-4EDD-A00F-DA0292705DA0}" type="slidenum">
               <a:rPr lang="en-US" smtClean="0"/>
-              <a:t>7</a:t>
+              <a:t>6</a:t>
             </a:fld>
             <a:endParaRPr lang="en-US"/>
           </a:p>
@@ -7582,7 +7369,7 @@
 </p:sld>
 </file>
 
-<file path=ppt/slides/slide8.xml><?xml version="1.0" encoding="utf-8"?>
+<file path=ppt/slides/slide7.xml><?xml version="1.0" encoding="utf-8"?>
 <p:sld xmlns:a="http://schemas.openxmlformats.org/drawingml/2006/main" xmlns:r="http://schemas.openxmlformats.org/officeDocument/2006/relationships" xmlns:p="http://schemas.openxmlformats.org/presentationml/2006/main">
   <p:cSld>
     <p:spTree>
@@ -7725,11 +7512,7 @@
           <a:p>
             <a:r>
               <a:rPr lang="en-US" dirty="0" smtClean="0"/>
-              <a:t>;; STRATEGY: </a:t>
-            </a:r>
-            <a:r>
-              <a:rPr lang="en-US" dirty="0" smtClean="0"/>
-              <a:t>Use template for </a:t>
+              <a:t>;; STRATEGY: Use template for </a:t>
             </a:r>
             <a:r>
               <a:rPr lang="en-US" dirty="0" err="1" smtClean="0"/>
@@ -7858,7 +7641,7 @@
           <a:p>
             <a:fld id="{4FF46DE1-096B-4EDD-A00F-DA0292705DA0}" type="slidenum">
               <a:rPr lang="en-US" smtClean="0"/>
-              <a:t>8</a:t>
+              <a:t>7</a:t>
             </a:fld>
             <a:endParaRPr lang="en-US"/>
           </a:p>
@@ -8005,7 +7788,7 @@
 </p:sld>
 </file>
 
-<file path=ppt/slides/slide9.xml><?xml version="1.0" encoding="utf-8"?>
+<file path=ppt/slides/slide8.xml><?xml version="1.0" encoding="utf-8"?>
 <p:sld xmlns:a="http://schemas.openxmlformats.org/drawingml/2006/main" xmlns:r="http://schemas.openxmlformats.org/officeDocument/2006/relationships" xmlns:p="http://schemas.openxmlformats.org/presentationml/2006/main">
   <p:cSld>
     <p:spTree>
@@ -8297,14 +8080,7 @@
                 <a:latin typeface="Consolas" pitchFamily="49" charset="0"/>
                 <a:cs typeface="Consolas" pitchFamily="49" charset="0"/>
               </a:rPr>
-              <a:t>;; STRATEGY: </a:t>
-            </a:r>
-            <a:r>
-              <a:rPr lang="en-US" b="1" dirty="0" smtClean="0">
-                <a:latin typeface="Consolas" pitchFamily="49" charset="0"/>
-                <a:cs typeface="Consolas" pitchFamily="49" charset="0"/>
-              </a:rPr>
-              <a:t>Use template for </a:t>
+              <a:t>;; STRATEGY: Use template for </a:t>
             </a:r>
             <a:r>
               <a:rPr lang="en-US" b="1" dirty="0" err="1" smtClean="0">
@@ -8539,7 +8315,7 @@
           <a:p>
             <a:fld id="{4FF46DE1-096B-4EDD-A00F-DA0292705DA0}" type="slidenum">
               <a:rPr lang="en-US" smtClean="0"/>
-              <a:t>9</a:t>
+              <a:t>8</a:t>
             </a:fld>
             <a:endParaRPr lang="en-US"/>
           </a:p>
@@ -8865,6 +8641,119 @@
       <p:bldP spid="4" grpId="0" animBg="1"/>
       <p:bldP spid="15" grpId="0" animBg="1"/>
     </p:bldLst>
+  </p:timing>
+</p:sld>
+</file>
+
+<file path=ppt/slides/slide9.xml><?xml version="1.0" encoding="utf-8"?>
+<p:sld xmlns:a="http://schemas.openxmlformats.org/drawingml/2006/main" xmlns:r="http://schemas.openxmlformats.org/officeDocument/2006/relationships" xmlns:p="http://schemas.openxmlformats.org/presentationml/2006/main">
+  <p:cSld>
+    <p:spTree>
+      <p:nvGrpSpPr>
+        <p:cNvPr id="1" name=""/>
+        <p:cNvGrpSpPr/>
+        <p:nvPr/>
+      </p:nvGrpSpPr>
+      <p:grpSpPr>
+        <a:xfrm>
+          <a:off x="0" y="0"/>
+          <a:ext cx="0" cy="0"/>
+          <a:chOff x="0" y="0"/>
+          <a:chExt cx="0" cy="0"/>
+        </a:xfrm>
+      </p:grpSpPr>
+      <p:sp>
+        <p:nvSpPr>
+          <p:cNvPr id="2" name="Title 1"/>
+          <p:cNvSpPr>
+            <a:spLocks noGrp="1"/>
+          </p:cNvSpPr>
+          <p:nvPr>
+            <p:ph type="title"/>
+          </p:nvPr>
+        </p:nvSpPr>
+        <p:spPr/>
+        <p:txBody>
+          <a:bodyPr>
+            <a:normAutofit fontScale="90000"/>
+          </a:bodyPr>
+          <a:lstStyle/>
+          <a:p>
+            <a:r>
+              <a:rPr lang="en-US" dirty="0" smtClean="0"/>
+              <a:t>Wait, weren't those functions very similar?</a:t>
+            </a:r>
+            <a:endParaRPr lang="en-US" dirty="0"/>
+          </a:p>
+        </p:txBody>
+      </p:sp>
+      <p:sp>
+        <p:nvSpPr>
+          <p:cNvPr id="3" name="Content Placeholder 2"/>
+          <p:cNvSpPr>
+            <a:spLocks noGrp="1"/>
+          </p:cNvSpPr>
+          <p:nvPr>
+            <p:ph idx="1"/>
+          </p:nvPr>
+        </p:nvSpPr>
+        <p:spPr/>
+        <p:txBody>
+          <a:bodyPr/>
+          <a:lstStyle/>
+          <a:p>
+            <a:r>
+              <a:rPr lang="en-US" dirty="0" smtClean="0"/>
+              <a:t>Yes.  In fact they were identical (except for their names).</a:t>
+            </a:r>
+          </a:p>
+          <a:p>
+            <a:r>
+              <a:rPr lang="en-US" dirty="0" smtClean="0"/>
+              <a:t>The moral of the story is that it is the purpose statement that determines whether you need an invariant.</a:t>
+            </a:r>
+          </a:p>
+        </p:txBody>
+      </p:sp>
+      <p:sp>
+        <p:nvSpPr>
+          <p:cNvPr id="4" name="Slide Number Placeholder 3"/>
+          <p:cNvSpPr>
+            <a:spLocks noGrp="1"/>
+          </p:cNvSpPr>
+          <p:nvPr>
+            <p:ph type="sldNum" sz="quarter" idx="12"/>
+          </p:nvPr>
+        </p:nvSpPr>
+        <p:spPr/>
+        <p:txBody>
+          <a:bodyPr/>
+          <a:lstStyle/>
+          <a:p>
+            <a:fld id="{4FF46DE1-096B-4EDD-A00F-DA0292705DA0}" type="slidenum">
+              <a:rPr lang="en-US" smtClean="0"/>
+              <a:t>9</a:t>
+            </a:fld>
+            <a:endParaRPr lang="en-US"/>
+          </a:p>
+        </p:txBody>
+      </p:sp>
+    </p:spTree>
+    <p:extLst>
+      <p:ext uri="{BB962C8B-B14F-4D97-AF65-F5344CB8AC3E}">
+        <p14:creationId xmlns:p14="http://schemas.microsoft.com/office/powerpoint/2010/main" val="3866762002"/>
+      </p:ext>
+    </p:extLst>
+  </p:cSld>
+  <p:clrMapOvr>
+    <a:masterClrMapping/>
+  </p:clrMapOvr>
+  <p:timing>
+    <p:tnLst>
+      <p:par>
+        <p:cTn id="1" dur="indefinite" restart="never" nodeType="tmRoot"/>
+      </p:par>
+    </p:tnLst>
   </p:timing>
 </p:sld>
 </file>
